--- a/簡報1.pptx
+++ b/簡報1.pptx
@@ -274,7 +274,7 @@
           <a:p>
             <a:fld id="{23C50C43-E062-47F2-A522-437119FDB227}" type="datetimeFigureOut">
               <a:rPr lang="zh-TW" altLang="en-US" smtClean="0"/>
-              <a:t>2020/3/16</a:t>
+              <a:t>2020/4/19</a:t>
             </a:fld>
             <a:endParaRPr lang="zh-TW" altLang="en-US"/>
           </a:p>
@@ -472,7 +472,7 @@
           <a:p>
             <a:fld id="{23C50C43-E062-47F2-A522-437119FDB227}" type="datetimeFigureOut">
               <a:rPr lang="zh-TW" altLang="en-US" smtClean="0"/>
-              <a:t>2020/3/16</a:t>
+              <a:t>2020/4/19</a:t>
             </a:fld>
             <a:endParaRPr lang="zh-TW" altLang="en-US"/>
           </a:p>
@@ -680,7 +680,7 @@
           <a:p>
             <a:fld id="{23C50C43-E062-47F2-A522-437119FDB227}" type="datetimeFigureOut">
               <a:rPr lang="zh-TW" altLang="en-US" smtClean="0"/>
-              <a:t>2020/3/16</a:t>
+              <a:t>2020/4/19</a:t>
             </a:fld>
             <a:endParaRPr lang="zh-TW" altLang="en-US"/>
           </a:p>
@@ -878,7 +878,7 @@
           <a:p>
             <a:fld id="{23C50C43-E062-47F2-A522-437119FDB227}" type="datetimeFigureOut">
               <a:rPr lang="zh-TW" altLang="en-US" smtClean="0"/>
-              <a:t>2020/3/16</a:t>
+              <a:t>2020/4/19</a:t>
             </a:fld>
             <a:endParaRPr lang="zh-TW" altLang="en-US"/>
           </a:p>
@@ -1153,7 +1153,7 @@
           <a:p>
             <a:fld id="{23C50C43-E062-47F2-A522-437119FDB227}" type="datetimeFigureOut">
               <a:rPr lang="zh-TW" altLang="en-US" smtClean="0"/>
-              <a:t>2020/3/16</a:t>
+              <a:t>2020/4/19</a:t>
             </a:fld>
             <a:endParaRPr lang="zh-TW" altLang="en-US"/>
           </a:p>
@@ -1418,7 +1418,7 @@
           <a:p>
             <a:fld id="{23C50C43-E062-47F2-A522-437119FDB227}" type="datetimeFigureOut">
               <a:rPr lang="zh-TW" altLang="en-US" smtClean="0"/>
-              <a:t>2020/3/16</a:t>
+              <a:t>2020/4/19</a:t>
             </a:fld>
             <a:endParaRPr lang="zh-TW" altLang="en-US"/>
           </a:p>
@@ -1830,7 +1830,7 @@
           <a:p>
             <a:fld id="{23C50C43-E062-47F2-A522-437119FDB227}" type="datetimeFigureOut">
               <a:rPr lang="zh-TW" altLang="en-US" smtClean="0"/>
-              <a:t>2020/3/16</a:t>
+              <a:t>2020/4/19</a:t>
             </a:fld>
             <a:endParaRPr lang="zh-TW" altLang="en-US"/>
           </a:p>
@@ -1971,7 +1971,7 @@
           <a:p>
             <a:fld id="{23C50C43-E062-47F2-A522-437119FDB227}" type="datetimeFigureOut">
               <a:rPr lang="zh-TW" altLang="en-US" smtClean="0"/>
-              <a:t>2020/3/16</a:t>
+              <a:t>2020/4/19</a:t>
             </a:fld>
             <a:endParaRPr lang="zh-TW" altLang="en-US"/>
           </a:p>
@@ -2084,7 +2084,7 @@
           <a:p>
             <a:fld id="{23C50C43-E062-47F2-A522-437119FDB227}" type="datetimeFigureOut">
               <a:rPr lang="zh-TW" altLang="en-US" smtClean="0"/>
-              <a:t>2020/3/16</a:t>
+              <a:t>2020/4/19</a:t>
             </a:fld>
             <a:endParaRPr lang="zh-TW" altLang="en-US"/>
           </a:p>
@@ -2395,7 +2395,7 @@
           <a:p>
             <a:fld id="{23C50C43-E062-47F2-A522-437119FDB227}" type="datetimeFigureOut">
               <a:rPr lang="zh-TW" altLang="en-US" smtClean="0"/>
-              <a:t>2020/3/16</a:t>
+              <a:t>2020/4/19</a:t>
             </a:fld>
             <a:endParaRPr lang="zh-TW" altLang="en-US"/>
           </a:p>
@@ -2686,7 +2686,7 @@
           <a:p>
             <a:fld id="{23C50C43-E062-47F2-A522-437119FDB227}" type="datetimeFigureOut">
               <a:rPr lang="zh-TW" altLang="en-US" smtClean="0"/>
-              <a:t>2020/3/16</a:t>
+              <a:t>2020/4/19</a:t>
             </a:fld>
             <a:endParaRPr lang="zh-TW" altLang="en-US"/>
           </a:p>
@@ -2927,7 +2927,7 @@
           <a:p>
             <a:fld id="{23C50C43-E062-47F2-A522-437119FDB227}" type="datetimeFigureOut">
               <a:rPr lang="zh-TW" altLang="en-US" smtClean="0"/>
-              <a:t>2020/3/16</a:t>
+              <a:t>2020/4/19</a:t>
             </a:fld>
             <a:endParaRPr lang="zh-TW" altLang="en-US"/>
           </a:p>
@@ -11314,7 +11314,7 @@
           <a:p>
             <a:r>
               <a:rPr lang="zh-TW" altLang="en-US" sz="2600" dirty="0"/>
-              <a:t>上九</a:t>
+              <a:t>上六</a:t>
             </a:r>
             <a:r>
               <a:rPr lang="en-US" altLang="zh-TW" sz="2600" dirty="0"/>
@@ -11337,7 +11337,7 @@
           <a:p>
             <a:r>
               <a:rPr lang="zh-TW" altLang="en-US" sz="2600" dirty="0"/>
-              <a:t>九五</a:t>
+              <a:t>六五</a:t>
             </a:r>
             <a:r>
               <a:rPr lang="en-US" altLang="zh-TW" sz="2600" dirty="0"/>

--- a/簡報1.pptx
+++ b/簡報1.pptx
@@ -11337,7 +11337,7 @@
           <a:p>
             <a:r>
               <a:rPr lang="zh-TW" altLang="en-US" sz="2600" dirty="0"/>
-              <a:t>六五</a:t>
+              <a:t>九五</a:t>
             </a:r>
             <a:r>
               <a:rPr lang="en-US" altLang="zh-TW" sz="2600" dirty="0"/>
@@ -11360,7 +11360,7 @@
           <a:p>
             <a:r>
               <a:rPr lang="zh-TW" altLang="en-US" sz="2600" dirty="0"/>
-              <a:t>九四</a:t>
+              <a:t>六四</a:t>
             </a:r>
             <a:r>
               <a:rPr lang="en-US" altLang="zh-TW" sz="2600" dirty="0"/>
@@ -11383,7 +11383,7 @@
           <a:p>
             <a:r>
               <a:rPr lang="zh-TW" altLang="en-US" sz="2600" dirty="0"/>
-              <a:t>九三</a:t>
+              <a:t>六三</a:t>
             </a:r>
             <a:r>
               <a:rPr lang="en-US" altLang="zh-TW" sz="2600" dirty="0"/>
@@ -11417,7 +11417,7 @@
           <a:p>
             <a:r>
               <a:rPr lang="zh-TW" altLang="en-US" sz="2600" dirty="0"/>
-              <a:t>九二</a:t>
+              <a:t>六二</a:t>
             </a:r>
             <a:r>
               <a:rPr lang="en-US" altLang="zh-TW" sz="2600" dirty="0"/>

--- a/簡報1.pptx
+++ b/簡報1.pptx
@@ -274,7 +274,7 @@
           <a:p>
             <a:fld id="{23C50C43-E062-47F2-A522-437119FDB227}" type="datetimeFigureOut">
               <a:rPr lang="zh-TW" altLang="en-US" smtClean="0"/>
-              <a:t>2020/4/19</a:t>
+              <a:t>2020/4/20</a:t>
             </a:fld>
             <a:endParaRPr lang="zh-TW" altLang="en-US"/>
           </a:p>
@@ -472,7 +472,7 @@
           <a:p>
             <a:fld id="{23C50C43-E062-47F2-A522-437119FDB227}" type="datetimeFigureOut">
               <a:rPr lang="zh-TW" altLang="en-US" smtClean="0"/>
-              <a:t>2020/4/19</a:t>
+              <a:t>2020/4/20</a:t>
             </a:fld>
             <a:endParaRPr lang="zh-TW" altLang="en-US"/>
           </a:p>
@@ -680,7 +680,7 @@
           <a:p>
             <a:fld id="{23C50C43-E062-47F2-A522-437119FDB227}" type="datetimeFigureOut">
               <a:rPr lang="zh-TW" altLang="en-US" smtClean="0"/>
-              <a:t>2020/4/19</a:t>
+              <a:t>2020/4/20</a:t>
             </a:fld>
             <a:endParaRPr lang="zh-TW" altLang="en-US"/>
           </a:p>
@@ -878,7 +878,7 @@
           <a:p>
             <a:fld id="{23C50C43-E062-47F2-A522-437119FDB227}" type="datetimeFigureOut">
               <a:rPr lang="zh-TW" altLang="en-US" smtClean="0"/>
-              <a:t>2020/4/19</a:t>
+              <a:t>2020/4/20</a:t>
             </a:fld>
             <a:endParaRPr lang="zh-TW" altLang="en-US"/>
           </a:p>
@@ -1153,7 +1153,7 @@
           <a:p>
             <a:fld id="{23C50C43-E062-47F2-A522-437119FDB227}" type="datetimeFigureOut">
               <a:rPr lang="zh-TW" altLang="en-US" smtClean="0"/>
-              <a:t>2020/4/19</a:t>
+              <a:t>2020/4/20</a:t>
             </a:fld>
             <a:endParaRPr lang="zh-TW" altLang="en-US"/>
           </a:p>
@@ -1418,7 +1418,7 @@
           <a:p>
             <a:fld id="{23C50C43-E062-47F2-A522-437119FDB227}" type="datetimeFigureOut">
               <a:rPr lang="zh-TW" altLang="en-US" smtClean="0"/>
-              <a:t>2020/4/19</a:t>
+              <a:t>2020/4/20</a:t>
             </a:fld>
             <a:endParaRPr lang="zh-TW" altLang="en-US"/>
           </a:p>
@@ -1830,7 +1830,7 @@
           <a:p>
             <a:fld id="{23C50C43-E062-47F2-A522-437119FDB227}" type="datetimeFigureOut">
               <a:rPr lang="zh-TW" altLang="en-US" smtClean="0"/>
-              <a:t>2020/4/19</a:t>
+              <a:t>2020/4/20</a:t>
             </a:fld>
             <a:endParaRPr lang="zh-TW" altLang="en-US"/>
           </a:p>
@@ -1971,7 +1971,7 @@
           <a:p>
             <a:fld id="{23C50C43-E062-47F2-A522-437119FDB227}" type="datetimeFigureOut">
               <a:rPr lang="zh-TW" altLang="en-US" smtClean="0"/>
-              <a:t>2020/4/19</a:t>
+              <a:t>2020/4/20</a:t>
             </a:fld>
             <a:endParaRPr lang="zh-TW" altLang="en-US"/>
           </a:p>
@@ -2084,7 +2084,7 @@
           <a:p>
             <a:fld id="{23C50C43-E062-47F2-A522-437119FDB227}" type="datetimeFigureOut">
               <a:rPr lang="zh-TW" altLang="en-US" smtClean="0"/>
-              <a:t>2020/4/19</a:t>
+              <a:t>2020/4/20</a:t>
             </a:fld>
             <a:endParaRPr lang="zh-TW" altLang="en-US"/>
           </a:p>
@@ -2395,7 +2395,7 @@
           <a:p>
             <a:fld id="{23C50C43-E062-47F2-A522-437119FDB227}" type="datetimeFigureOut">
               <a:rPr lang="zh-TW" altLang="en-US" smtClean="0"/>
-              <a:t>2020/4/19</a:t>
+              <a:t>2020/4/20</a:t>
             </a:fld>
             <a:endParaRPr lang="zh-TW" altLang="en-US"/>
           </a:p>
@@ -2686,7 +2686,7 @@
           <a:p>
             <a:fld id="{23C50C43-E062-47F2-A522-437119FDB227}" type="datetimeFigureOut">
               <a:rPr lang="zh-TW" altLang="en-US" smtClean="0"/>
-              <a:t>2020/4/19</a:t>
+              <a:t>2020/4/20</a:t>
             </a:fld>
             <a:endParaRPr lang="zh-TW" altLang="en-US"/>
           </a:p>
@@ -2927,7 +2927,7 @@
           <a:p>
             <a:fld id="{23C50C43-E062-47F2-A522-437119FDB227}" type="datetimeFigureOut">
               <a:rPr lang="zh-TW" altLang="en-US" smtClean="0"/>
-              <a:t>2020/4/19</a:t>
+              <a:t>2020/4/20</a:t>
             </a:fld>
             <a:endParaRPr lang="zh-TW" altLang="en-US"/>
           </a:p>
@@ -7301,12 +7301,60 @@
           <a:chExt cx="0" cy="0"/>
         </a:xfrm>
       </p:grpSpPr>
+      <p:sp>
+        <p:nvSpPr>
+          <p:cNvPr id="4" name="橢圓 3">
+            <a:extLst>
+              <a:ext uri="{FF2B5EF4-FFF2-40B4-BE49-F238E27FC236}">
+                <a16:creationId xmlns:a16="http://schemas.microsoft.com/office/drawing/2014/main" id="{73BB0F75-3FF5-4E3A-9C1E-E366C578FF02}"/>
+              </a:ext>
+            </a:extLst>
+          </p:cNvPr>
+          <p:cNvSpPr/>
+          <p:nvPr/>
+        </p:nvSpPr>
+        <p:spPr>
+          <a:xfrm>
+            <a:off x="4219575" y="1571625"/>
+            <a:ext cx="3752850" cy="3714750"/>
+          </a:xfrm>
+          <a:prstGeom prst="ellipse">
+            <a:avLst/>
+          </a:prstGeom>
+          <a:noFill/>
+          <a:ln w="63500"/>
+        </p:spPr>
+        <p:style>
+          <a:lnRef idx="2">
+            <a:schemeClr val="accent1">
+              <a:shade val="50000"/>
+            </a:schemeClr>
+          </a:lnRef>
+          <a:fillRef idx="1">
+            <a:schemeClr val="accent1"/>
+          </a:fillRef>
+          <a:effectRef idx="0">
+            <a:schemeClr val="accent1"/>
+          </a:effectRef>
+          <a:fontRef idx="minor">
+            <a:schemeClr val="lt1"/>
+          </a:fontRef>
+        </p:style>
+        <p:txBody>
+          <a:bodyPr rtlCol="0" anchor="ctr"/>
+          <a:lstStyle/>
+          <a:p>
+            <a:pPr algn="ctr"/>
+            <a:endParaRPr lang="zh-TW" altLang="en-US"/>
+          </a:p>
+        </p:txBody>
+      </p:sp>
       <p:grpSp>
         <p:nvGrpSpPr>
-          <p:cNvPr id="83" name="群組 82">
-            <a:extLst>
-              <a:ext uri="{FF2B5EF4-FFF2-40B4-BE49-F238E27FC236}">
-                <a16:creationId xmlns:a16="http://schemas.microsoft.com/office/drawing/2014/main" id="{53F9E42A-53A5-4ADF-8C1D-078454CE7C6A}"/>
+          <p:cNvPr id="6" name="群組 5">
+            <a:extLst>
+              <a:ext uri="{FF2B5EF4-FFF2-40B4-BE49-F238E27FC236}">
+                <a16:creationId xmlns:a16="http://schemas.microsoft.com/office/drawing/2014/main" id="{B377BBA4-3F52-4518-8D2E-122F35AAF8F5}"/>
               </a:ext>
             </a:extLst>
           </p:cNvPr>
@@ -7315,66 +7363,18 @@
         </p:nvGrpSpPr>
         <p:grpSpPr>
           <a:xfrm>
-            <a:off x="2723878" y="186818"/>
-            <a:ext cx="6883917" cy="6491228"/>
-            <a:chOff x="2723878" y="186818"/>
-            <a:chExt cx="6883917" cy="6491228"/>
+            <a:off x="5688692" y="620211"/>
+            <a:ext cx="814615" cy="582418"/>
+            <a:chOff x="10771409" y="1023258"/>
+            <a:chExt cx="1197430" cy="856116"/>
           </a:xfrm>
         </p:grpSpPr>
-        <p:sp>
-          <p:nvSpPr>
-            <p:cNvPr id="4" name="橢圓 3">
+        <p:grpSp>
+          <p:nvGrpSpPr>
+            <p:cNvPr id="7" name="群組 6">
               <a:extLst>
                 <a:ext uri="{FF2B5EF4-FFF2-40B4-BE49-F238E27FC236}">
-                  <a16:creationId xmlns:a16="http://schemas.microsoft.com/office/drawing/2014/main" id="{73BB0F75-3FF5-4E3A-9C1E-E366C578FF02}"/>
-                </a:ext>
-              </a:extLst>
-            </p:cNvPr>
-            <p:cNvSpPr/>
-            <p:nvPr/>
-          </p:nvSpPr>
-          <p:spPr>
-            <a:xfrm>
-              <a:off x="4219575" y="1571625"/>
-              <a:ext cx="3752850" cy="3714750"/>
-            </a:xfrm>
-            <a:prstGeom prst="ellipse">
-              <a:avLst/>
-            </a:prstGeom>
-            <a:noFill/>
-            <a:ln w="63500"/>
-          </p:spPr>
-          <p:style>
-            <a:lnRef idx="2">
-              <a:schemeClr val="accent1">
-                <a:shade val="50000"/>
-              </a:schemeClr>
-            </a:lnRef>
-            <a:fillRef idx="1">
-              <a:schemeClr val="accent1"/>
-            </a:fillRef>
-            <a:effectRef idx="0">
-              <a:schemeClr val="accent1"/>
-            </a:effectRef>
-            <a:fontRef idx="minor">
-              <a:schemeClr val="lt1"/>
-            </a:fontRef>
-          </p:style>
-          <p:txBody>
-            <a:bodyPr rtlCol="0" anchor="ctr"/>
-            <a:lstStyle/>
-            <a:p>
-              <a:pPr algn="ctr"/>
-              <a:endParaRPr lang="zh-TW" altLang="en-US"/>
-            </a:p>
-          </p:txBody>
-        </p:sp>
-        <p:grpSp>
-          <p:nvGrpSpPr>
-            <p:cNvPr id="6" name="群組 5">
-              <a:extLst>
-                <a:ext uri="{FF2B5EF4-FFF2-40B4-BE49-F238E27FC236}">
-                  <a16:creationId xmlns:a16="http://schemas.microsoft.com/office/drawing/2014/main" id="{B377BBA4-3F52-4518-8D2E-122F35AAF8F5}"/>
+                  <a16:creationId xmlns:a16="http://schemas.microsoft.com/office/drawing/2014/main" id="{77D2B317-3D51-4AC4-B9B0-042E8DF9B0EC}"/>
                 </a:ext>
               </a:extLst>
             </p:cNvPr>
@@ -7383,113 +7383,18 @@
           </p:nvGrpSpPr>
           <p:grpSpPr>
             <a:xfrm>
-              <a:off x="5688692" y="620211"/>
-              <a:ext cx="814615" cy="582418"/>
-              <a:chOff x="10771409" y="1023258"/>
-              <a:chExt cx="1197430" cy="856116"/>
+              <a:off x="10771409" y="1461862"/>
+              <a:ext cx="1197430" cy="417512"/>
+              <a:chOff x="8741227" y="3392488"/>
+              <a:chExt cx="1197430" cy="417512"/>
             </a:xfrm>
           </p:grpSpPr>
-          <p:grpSp>
-            <p:nvGrpSpPr>
-              <p:cNvPr id="7" name="群組 6">
+          <p:cxnSp>
+            <p:nvCxnSpPr>
+              <p:cNvPr id="9" name="直線接點 8">
                 <a:extLst>
                   <a:ext uri="{FF2B5EF4-FFF2-40B4-BE49-F238E27FC236}">
-                    <a16:creationId xmlns:a16="http://schemas.microsoft.com/office/drawing/2014/main" id="{77D2B317-3D51-4AC4-B9B0-042E8DF9B0EC}"/>
-                  </a:ext>
-                </a:extLst>
-              </p:cNvPr>
-              <p:cNvGrpSpPr/>
-              <p:nvPr/>
-            </p:nvGrpSpPr>
-            <p:grpSpPr>
-              <a:xfrm>
-                <a:off x="10771409" y="1461862"/>
-                <a:ext cx="1197430" cy="417512"/>
-                <a:chOff x="8741227" y="3392488"/>
-                <a:chExt cx="1197430" cy="417512"/>
-              </a:xfrm>
-            </p:grpSpPr>
-            <p:cxnSp>
-              <p:nvCxnSpPr>
-                <p:cNvPr id="9" name="直線接點 8">
-                  <a:extLst>
-                    <a:ext uri="{FF2B5EF4-FFF2-40B4-BE49-F238E27FC236}">
-                      <a16:creationId xmlns:a16="http://schemas.microsoft.com/office/drawing/2014/main" id="{795EB6CE-0A7E-4669-A9F4-B946B31B209C}"/>
-                    </a:ext>
-                  </a:extLst>
-                </p:cNvPr>
-                <p:cNvCxnSpPr/>
-                <p:nvPr/>
-              </p:nvCxnSpPr>
-              <p:spPr>
-                <a:xfrm>
-                  <a:off x="8741227" y="3810000"/>
-                  <a:ext cx="1197430" cy="0"/>
-                </a:xfrm>
-                <a:prstGeom prst="line">
-                  <a:avLst/>
-                </a:prstGeom>
-                <a:ln w="63500"/>
-              </p:spPr>
-              <p:style>
-                <a:lnRef idx="1">
-                  <a:schemeClr val="accent1"/>
-                </a:lnRef>
-                <a:fillRef idx="0">
-                  <a:schemeClr val="accent1"/>
-                </a:fillRef>
-                <a:effectRef idx="0">
-                  <a:schemeClr val="accent1"/>
-                </a:effectRef>
-                <a:fontRef idx="minor">
-                  <a:schemeClr val="tx1"/>
-                </a:fontRef>
-              </p:style>
-            </p:cxnSp>
-            <p:cxnSp>
-              <p:nvCxnSpPr>
-                <p:cNvPr id="10" name="直線接點 9">
-                  <a:extLst>
-                    <a:ext uri="{FF2B5EF4-FFF2-40B4-BE49-F238E27FC236}">
-                      <a16:creationId xmlns:a16="http://schemas.microsoft.com/office/drawing/2014/main" id="{A1E62BC2-5CC7-43B9-8823-81E69D5433FE}"/>
-                    </a:ext>
-                  </a:extLst>
-                </p:cNvPr>
-                <p:cNvCxnSpPr/>
-                <p:nvPr/>
-              </p:nvCxnSpPr>
-              <p:spPr>
-                <a:xfrm>
-                  <a:off x="8741227" y="3392488"/>
-                  <a:ext cx="1197430" cy="0"/>
-                </a:xfrm>
-                <a:prstGeom prst="line">
-                  <a:avLst/>
-                </a:prstGeom>
-                <a:ln w="63500"/>
-              </p:spPr>
-              <p:style>
-                <a:lnRef idx="1">
-                  <a:schemeClr val="accent1"/>
-                </a:lnRef>
-                <a:fillRef idx="0">
-                  <a:schemeClr val="accent1"/>
-                </a:fillRef>
-                <a:effectRef idx="0">
-                  <a:schemeClr val="accent1"/>
-                </a:effectRef>
-                <a:fontRef idx="minor">
-                  <a:schemeClr val="tx1"/>
-                </a:fontRef>
-              </p:style>
-            </p:cxnSp>
-          </p:grpSp>
-          <p:cxnSp>
-            <p:nvCxnSpPr>
-              <p:cNvPr id="8" name="直線接點 7">
-                <a:extLst>
-                  <a:ext uri="{FF2B5EF4-FFF2-40B4-BE49-F238E27FC236}">
-                    <a16:creationId xmlns:a16="http://schemas.microsoft.com/office/drawing/2014/main" id="{D298641D-98FE-44BC-9414-83EBF363E332}"/>
+                    <a16:creationId xmlns:a16="http://schemas.microsoft.com/office/drawing/2014/main" id="{795EB6CE-0A7E-4669-A9F4-B946B31B209C}"/>
                   </a:ext>
                 </a:extLst>
               </p:cNvPr>
@@ -7498,7 +7403,7 @@
             </p:nvCxnSpPr>
             <p:spPr>
               <a:xfrm>
-                <a:off x="10771409" y="1023258"/>
+                <a:off x="8741227" y="3810000"/>
                 <a:ext cx="1197430" cy="0"/>
               </a:xfrm>
               <a:prstGeom prst="line">
@@ -7521,13 +7426,108 @@
               </a:fontRef>
             </p:style>
           </p:cxnSp>
+          <p:cxnSp>
+            <p:nvCxnSpPr>
+              <p:cNvPr id="10" name="直線接點 9">
+                <a:extLst>
+                  <a:ext uri="{FF2B5EF4-FFF2-40B4-BE49-F238E27FC236}">
+                    <a16:creationId xmlns:a16="http://schemas.microsoft.com/office/drawing/2014/main" id="{A1E62BC2-5CC7-43B9-8823-81E69D5433FE}"/>
+                  </a:ext>
+                </a:extLst>
+              </p:cNvPr>
+              <p:cNvCxnSpPr/>
+              <p:nvPr/>
+            </p:nvCxnSpPr>
+            <p:spPr>
+              <a:xfrm>
+                <a:off x="8741227" y="3392488"/>
+                <a:ext cx="1197430" cy="0"/>
+              </a:xfrm>
+              <a:prstGeom prst="line">
+                <a:avLst/>
+              </a:prstGeom>
+              <a:ln w="63500"/>
+            </p:spPr>
+            <p:style>
+              <a:lnRef idx="1">
+                <a:schemeClr val="accent1"/>
+              </a:lnRef>
+              <a:fillRef idx="0">
+                <a:schemeClr val="accent1"/>
+              </a:fillRef>
+              <a:effectRef idx="0">
+                <a:schemeClr val="accent1"/>
+              </a:effectRef>
+              <a:fontRef idx="minor">
+                <a:schemeClr val="tx1"/>
+              </a:fontRef>
+            </p:style>
+          </p:cxnSp>
         </p:grpSp>
+        <p:cxnSp>
+          <p:nvCxnSpPr>
+            <p:cNvPr id="8" name="直線接點 7">
+              <a:extLst>
+                <a:ext uri="{FF2B5EF4-FFF2-40B4-BE49-F238E27FC236}">
+                  <a16:creationId xmlns:a16="http://schemas.microsoft.com/office/drawing/2014/main" id="{D298641D-98FE-44BC-9414-83EBF363E332}"/>
+                </a:ext>
+              </a:extLst>
+            </p:cNvPr>
+            <p:cNvCxnSpPr/>
+            <p:nvPr/>
+          </p:nvCxnSpPr>
+          <p:spPr>
+            <a:xfrm>
+              <a:off x="10771409" y="1023258"/>
+              <a:ext cx="1197430" cy="0"/>
+            </a:xfrm>
+            <a:prstGeom prst="line">
+              <a:avLst/>
+            </a:prstGeom>
+            <a:ln w="63500"/>
+          </p:spPr>
+          <p:style>
+            <a:lnRef idx="1">
+              <a:schemeClr val="accent1"/>
+            </a:lnRef>
+            <a:fillRef idx="0">
+              <a:schemeClr val="accent1"/>
+            </a:fillRef>
+            <a:effectRef idx="0">
+              <a:schemeClr val="accent1"/>
+            </a:effectRef>
+            <a:fontRef idx="minor">
+              <a:schemeClr val="tx1"/>
+            </a:fontRef>
+          </p:style>
+        </p:cxnSp>
+      </p:grpSp>
+      <p:grpSp>
+        <p:nvGrpSpPr>
+          <p:cNvPr id="11" name="群組 10">
+            <a:extLst>
+              <a:ext uri="{FF2B5EF4-FFF2-40B4-BE49-F238E27FC236}">
+                <a16:creationId xmlns:a16="http://schemas.microsoft.com/office/drawing/2014/main" id="{F9FB5755-2063-41C4-801F-E1A73793580C}"/>
+              </a:ext>
+            </a:extLst>
+          </p:cNvPr>
+          <p:cNvGrpSpPr/>
+          <p:nvPr/>
+        </p:nvGrpSpPr>
+        <p:grpSpPr>
+          <a:xfrm rot="8100000">
+            <a:off x="3957856" y="1358900"/>
+            <a:ext cx="814615" cy="579032"/>
+            <a:chOff x="9380756" y="1023258"/>
+            <a:chExt cx="1204432" cy="856116"/>
+          </a:xfrm>
+        </p:grpSpPr>
         <p:grpSp>
           <p:nvGrpSpPr>
-            <p:cNvPr id="11" name="群組 10">
+            <p:cNvPr id="12" name="群組 11">
               <a:extLst>
                 <a:ext uri="{FF2B5EF4-FFF2-40B4-BE49-F238E27FC236}">
-                  <a16:creationId xmlns:a16="http://schemas.microsoft.com/office/drawing/2014/main" id="{F9FB5755-2063-41C4-801F-E1A73793580C}"/>
+                  <a16:creationId xmlns:a16="http://schemas.microsoft.com/office/drawing/2014/main" id="{508C46BE-CEE6-48AF-B1FA-0F5D8E8183E8}"/>
                 </a:ext>
               </a:extLst>
             </p:cNvPr>
@@ -7535,19 +7535,271 @@
             <p:nvPr/>
           </p:nvGrpSpPr>
           <p:grpSpPr>
-            <a:xfrm rot="-2700000">
-              <a:off x="3957856" y="1358900"/>
-              <a:ext cx="814615" cy="579032"/>
-              <a:chOff x="9380756" y="1023258"/>
-              <a:chExt cx="1204432" cy="856116"/>
+            <a:xfrm>
+              <a:off x="9387758" y="1461862"/>
+              <a:ext cx="1197430" cy="417512"/>
+              <a:chOff x="8741227" y="3392488"/>
+              <a:chExt cx="1197430" cy="417512"/>
+            </a:xfrm>
+          </p:grpSpPr>
+          <p:cxnSp>
+            <p:nvCxnSpPr>
+              <p:cNvPr id="16" name="直線接點 15">
+                <a:extLst>
+                  <a:ext uri="{FF2B5EF4-FFF2-40B4-BE49-F238E27FC236}">
+                    <a16:creationId xmlns:a16="http://schemas.microsoft.com/office/drawing/2014/main" id="{FD0980F8-0ED8-4A49-9FD0-EF30179CD0A8}"/>
+                  </a:ext>
+                </a:extLst>
+              </p:cNvPr>
+              <p:cNvCxnSpPr/>
+              <p:nvPr/>
+            </p:nvCxnSpPr>
+            <p:spPr>
+              <a:xfrm>
+                <a:off x="8741227" y="3810000"/>
+                <a:ext cx="1197430" cy="0"/>
+              </a:xfrm>
+              <a:prstGeom prst="line">
+                <a:avLst/>
+              </a:prstGeom>
+              <a:ln w="63500"/>
+            </p:spPr>
+            <p:style>
+              <a:lnRef idx="1">
+                <a:schemeClr val="accent1"/>
+              </a:lnRef>
+              <a:fillRef idx="0">
+                <a:schemeClr val="accent1"/>
+              </a:fillRef>
+              <a:effectRef idx="0">
+                <a:schemeClr val="accent1"/>
+              </a:effectRef>
+              <a:fontRef idx="minor">
+                <a:schemeClr val="tx1"/>
+              </a:fontRef>
+            </p:style>
+          </p:cxnSp>
+          <p:cxnSp>
+            <p:nvCxnSpPr>
+              <p:cNvPr id="17" name="直線接點 16">
+                <a:extLst>
+                  <a:ext uri="{FF2B5EF4-FFF2-40B4-BE49-F238E27FC236}">
+                    <a16:creationId xmlns:a16="http://schemas.microsoft.com/office/drawing/2014/main" id="{567BBDBC-E030-46F9-8CEE-69401C8DAC7D}"/>
+                  </a:ext>
+                </a:extLst>
+              </p:cNvPr>
+              <p:cNvCxnSpPr/>
+              <p:nvPr/>
+            </p:nvCxnSpPr>
+            <p:spPr>
+              <a:xfrm>
+                <a:off x="8741227" y="3392488"/>
+                <a:ext cx="1197430" cy="0"/>
+              </a:xfrm>
+              <a:prstGeom prst="line">
+                <a:avLst/>
+              </a:prstGeom>
+              <a:ln w="63500"/>
+            </p:spPr>
+            <p:style>
+              <a:lnRef idx="1">
+                <a:schemeClr val="accent1"/>
+              </a:lnRef>
+              <a:fillRef idx="0">
+                <a:schemeClr val="accent1"/>
+              </a:fillRef>
+              <a:effectRef idx="0">
+                <a:schemeClr val="accent1"/>
+              </a:effectRef>
+              <a:fontRef idx="minor">
+                <a:schemeClr val="tx1"/>
+              </a:fontRef>
+            </p:style>
+          </p:cxnSp>
+        </p:grpSp>
+        <p:grpSp>
+          <p:nvGrpSpPr>
+            <p:cNvPr id="13" name="群組 12">
+              <a:extLst>
+                <a:ext uri="{FF2B5EF4-FFF2-40B4-BE49-F238E27FC236}">
+                  <a16:creationId xmlns:a16="http://schemas.microsoft.com/office/drawing/2014/main" id="{8C303590-CE27-4725-9561-1FED3895E188}"/>
+                </a:ext>
+              </a:extLst>
+            </p:cNvPr>
+            <p:cNvGrpSpPr/>
+            <p:nvPr/>
+          </p:nvGrpSpPr>
+          <p:grpSpPr>
+            <a:xfrm>
+              <a:off x="9380756" y="1023258"/>
+              <a:ext cx="1197431" cy="0"/>
+              <a:chOff x="6313712" y="3418114"/>
+              <a:chExt cx="1197431" cy="0"/>
+            </a:xfrm>
+          </p:grpSpPr>
+          <p:cxnSp>
+            <p:nvCxnSpPr>
+              <p:cNvPr id="14" name="直線接點 13">
+                <a:extLst>
+                  <a:ext uri="{FF2B5EF4-FFF2-40B4-BE49-F238E27FC236}">
+                    <a16:creationId xmlns:a16="http://schemas.microsoft.com/office/drawing/2014/main" id="{B09EA279-7125-41AD-8B25-8923A8D446E7}"/>
+                  </a:ext>
+                </a:extLst>
+              </p:cNvPr>
+              <p:cNvCxnSpPr>
+                <a:cxnSpLocks/>
+              </p:cNvCxnSpPr>
+              <p:nvPr/>
+            </p:nvCxnSpPr>
+            <p:spPr>
+              <a:xfrm>
+                <a:off x="6313712" y="3418114"/>
+                <a:ext cx="489858" cy="0"/>
+              </a:xfrm>
+              <a:prstGeom prst="line">
+                <a:avLst/>
+              </a:prstGeom>
+              <a:ln w="63500"/>
+            </p:spPr>
+            <p:style>
+              <a:lnRef idx="1">
+                <a:schemeClr val="accent1"/>
+              </a:lnRef>
+              <a:fillRef idx="0">
+                <a:schemeClr val="accent1"/>
+              </a:fillRef>
+              <a:effectRef idx="0">
+                <a:schemeClr val="accent1"/>
+              </a:effectRef>
+              <a:fontRef idx="minor">
+                <a:schemeClr val="tx1"/>
+              </a:fontRef>
+            </p:style>
+          </p:cxnSp>
+          <p:cxnSp>
+            <p:nvCxnSpPr>
+              <p:cNvPr id="15" name="直線接點 14">
+                <a:extLst>
+                  <a:ext uri="{FF2B5EF4-FFF2-40B4-BE49-F238E27FC236}">
+                    <a16:creationId xmlns:a16="http://schemas.microsoft.com/office/drawing/2014/main" id="{375289F3-5C6C-4265-81B9-58D8A3F3CE21}"/>
+                  </a:ext>
+                </a:extLst>
+              </p:cNvPr>
+              <p:cNvCxnSpPr>
+                <a:cxnSpLocks/>
+              </p:cNvCxnSpPr>
+              <p:nvPr/>
+            </p:nvCxnSpPr>
+            <p:spPr>
+              <a:xfrm>
+                <a:off x="7021285" y="3418114"/>
+                <a:ext cx="489858" cy="0"/>
+              </a:xfrm>
+              <a:prstGeom prst="line">
+                <a:avLst/>
+              </a:prstGeom>
+              <a:ln w="63500"/>
+            </p:spPr>
+            <p:style>
+              <a:lnRef idx="1">
+                <a:schemeClr val="accent1"/>
+              </a:lnRef>
+              <a:fillRef idx="0">
+                <a:schemeClr val="accent1"/>
+              </a:fillRef>
+              <a:effectRef idx="0">
+                <a:schemeClr val="accent1"/>
+              </a:effectRef>
+              <a:fontRef idx="minor">
+                <a:schemeClr val="tx1"/>
+              </a:fontRef>
+            </p:style>
+          </p:cxnSp>
+        </p:grpSp>
+      </p:grpSp>
+      <p:grpSp>
+        <p:nvGrpSpPr>
+          <p:cNvPr id="18" name="群組 17">
+            <a:extLst>
+              <a:ext uri="{FF2B5EF4-FFF2-40B4-BE49-F238E27FC236}">
+                <a16:creationId xmlns:a16="http://schemas.microsoft.com/office/drawing/2014/main" id="{F625535D-5785-478E-BEDA-42400F00E434}"/>
+              </a:ext>
+            </a:extLst>
+          </p:cNvPr>
+          <p:cNvGrpSpPr/>
+          <p:nvPr/>
+        </p:nvGrpSpPr>
+        <p:grpSpPr>
+          <a:xfrm rot="16200000">
+            <a:off x="3188311" y="3142664"/>
+            <a:ext cx="818888" cy="572672"/>
+            <a:chOff x="7987392" y="1023258"/>
+            <a:chExt cx="1214143" cy="849085"/>
+          </a:xfrm>
+        </p:grpSpPr>
+        <p:cxnSp>
+          <p:nvCxnSpPr>
+            <p:cNvPr id="19" name="直線接點 18">
+              <a:extLst>
+                <a:ext uri="{FF2B5EF4-FFF2-40B4-BE49-F238E27FC236}">
+                  <a16:creationId xmlns:a16="http://schemas.microsoft.com/office/drawing/2014/main" id="{5B402455-12E2-4504-8F83-225E2812D586}"/>
+                </a:ext>
+              </a:extLst>
+            </p:cNvPr>
+            <p:cNvCxnSpPr/>
+            <p:nvPr/>
+          </p:nvCxnSpPr>
+          <p:spPr>
+            <a:xfrm>
+              <a:off x="7987392" y="1023258"/>
+              <a:ext cx="1197430" cy="0"/>
+            </a:xfrm>
+            <a:prstGeom prst="line">
+              <a:avLst/>
+            </a:prstGeom>
+            <a:ln w="63500"/>
+          </p:spPr>
+          <p:style>
+            <a:lnRef idx="1">
+              <a:schemeClr val="accent1"/>
+            </a:lnRef>
+            <a:fillRef idx="0">
+              <a:schemeClr val="accent1"/>
+            </a:fillRef>
+            <a:effectRef idx="0">
+              <a:schemeClr val="accent1"/>
+            </a:effectRef>
+            <a:fontRef idx="minor">
+              <a:schemeClr val="tx1"/>
+            </a:fontRef>
+          </p:style>
+        </p:cxnSp>
+        <p:grpSp>
+          <p:nvGrpSpPr>
+            <p:cNvPr id="20" name="群組 19">
+              <a:extLst>
+                <a:ext uri="{FF2B5EF4-FFF2-40B4-BE49-F238E27FC236}">
+                  <a16:creationId xmlns:a16="http://schemas.microsoft.com/office/drawing/2014/main" id="{392FA04B-647B-487D-AD27-F6B0CCD8C643}"/>
+                </a:ext>
+              </a:extLst>
+            </p:cNvPr>
+            <p:cNvGrpSpPr/>
+            <p:nvPr/>
+          </p:nvGrpSpPr>
+          <p:grpSpPr>
+            <a:xfrm>
+              <a:off x="7993219" y="1480457"/>
+              <a:ext cx="1208316" cy="391886"/>
+              <a:chOff x="6313712" y="3418114"/>
+              <a:chExt cx="1208316" cy="391886"/>
             </a:xfrm>
           </p:grpSpPr>
           <p:grpSp>
             <p:nvGrpSpPr>
-              <p:cNvPr id="12" name="群組 11">
+              <p:cNvPr id="21" name="群組 20">
                 <a:extLst>
                   <a:ext uri="{FF2B5EF4-FFF2-40B4-BE49-F238E27FC236}">
-                    <a16:creationId xmlns:a16="http://schemas.microsoft.com/office/drawing/2014/main" id="{508C46BE-CEE6-48AF-B1FA-0F5D8E8183E8}"/>
+                    <a16:creationId xmlns:a16="http://schemas.microsoft.com/office/drawing/2014/main" id="{6D6F52C1-599E-4EA2-807C-1657D8F1CBBC}"/>
                   </a:ext>
                 </a:extLst>
               </p:cNvPr>
@@ -7556,102 +7808,7 @@
             </p:nvGrpSpPr>
             <p:grpSpPr>
               <a:xfrm>
-                <a:off x="9387758" y="1461862"/>
-                <a:ext cx="1197430" cy="417512"/>
-                <a:chOff x="8741227" y="3392488"/>
-                <a:chExt cx="1197430" cy="417512"/>
-              </a:xfrm>
-            </p:grpSpPr>
-            <p:cxnSp>
-              <p:nvCxnSpPr>
-                <p:cNvPr id="16" name="直線接點 15">
-                  <a:extLst>
-                    <a:ext uri="{FF2B5EF4-FFF2-40B4-BE49-F238E27FC236}">
-                      <a16:creationId xmlns:a16="http://schemas.microsoft.com/office/drawing/2014/main" id="{FD0980F8-0ED8-4A49-9FD0-EF30179CD0A8}"/>
-                    </a:ext>
-                  </a:extLst>
-                </p:cNvPr>
-                <p:cNvCxnSpPr/>
-                <p:nvPr/>
-              </p:nvCxnSpPr>
-              <p:spPr>
-                <a:xfrm>
-                  <a:off x="8741227" y="3810000"/>
-                  <a:ext cx="1197430" cy="0"/>
-                </a:xfrm>
-                <a:prstGeom prst="line">
-                  <a:avLst/>
-                </a:prstGeom>
-                <a:ln w="63500"/>
-              </p:spPr>
-              <p:style>
-                <a:lnRef idx="1">
-                  <a:schemeClr val="accent1"/>
-                </a:lnRef>
-                <a:fillRef idx="0">
-                  <a:schemeClr val="accent1"/>
-                </a:fillRef>
-                <a:effectRef idx="0">
-                  <a:schemeClr val="accent1"/>
-                </a:effectRef>
-                <a:fontRef idx="minor">
-                  <a:schemeClr val="tx1"/>
-                </a:fontRef>
-              </p:style>
-            </p:cxnSp>
-            <p:cxnSp>
-              <p:nvCxnSpPr>
-                <p:cNvPr id="17" name="直線接點 16">
-                  <a:extLst>
-                    <a:ext uri="{FF2B5EF4-FFF2-40B4-BE49-F238E27FC236}">
-                      <a16:creationId xmlns:a16="http://schemas.microsoft.com/office/drawing/2014/main" id="{567BBDBC-E030-46F9-8CEE-69401C8DAC7D}"/>
-                    </a:ext>
-                  </a:extLst>
-                </p:cNvPr>
-                <p:cNvCxnSpPr/>
-                <p:nvPr/>
-              </p:nvCxnSpPr>
-              <p:spPr>
-                <a:xfrm>
-                  <a:off x="8741227" y="3392488"/>
-                  <a:ext cx="1197430" cy="0"/>
-                </a:xfrm>
-                <a:prstGeom prst="line">
-                  <a:avLst/>
-                </a:prstGeom>
-                <a:ln w="63500"/>
-              </p:spPr>
-              <p:style>
-                <a:lnRef idx="1">
-                  <a:schemeClr val="accent1"/>
-                </a:lnRef>
-                <a:fillRef idx="0">
-                  <a:schemeClr val="accent1"/>
-                </a:fillRef>
-                <a:effectRef idx="0">
-                  <a:schemeClr val="accent1"/>
-                </a:effectRef>
-                <a:fontRef idx="minor">
-                  <a:schemeClr val="tx1"/>
-                </a:fontRef>
-              </p:style>
-            </p:cxnSp>
-          </p:grpSp>
-          <p:grpSp>
-            <p:nvGrpSpPr>
-              <p:cNvPr id="13" name="群組 12">
-                <a:extLst>
-                  <a:ext uri="{FF2B5EF4-FFF2-40B4-BE49-F238E27FC236}">
-                    <a16:creationId xmlns:a16="http://schemas.microsoft.com/office/drawing/2014/main" id="{8C303590-CE27-4725-9561-1FED3895E188}"/>
-                  </a:ext>
-                </a:extLst>
-              </p:cNvPr>
-              <p:cNvGrpSpPr/>
-              <p:nvPr/>
-            </p:nvGrpSpPr>
-            <p:grpSpPr>
-              <a:xfrm>
-                <a:off x="9380756" y="1023258"/>
+                <a:off x="6313712" y="3418114"/>
                 <a:ext cx="1197431" cy="0"/>
                 <a:chOff x="6313712" y="3418114"/>
                 <a:chExt cx="1197431" cy="0"/>
@@ -7659,10 +7816,10 @@
             </p:grpSpPr>
             <p:cxnSp>
               <p:nvCxnSpPr>
-                <p:cNvPr id="14" name="直線接點 13">
+                <p:cNvPr id="23" name="直線接點 22">
                   <a:extLst>
                     <a:ext uri="{FF2B5EF4-FFF2-40B4-BE49-F238E27FC236}">
-                      <a16:creationId xmlns:a16="http://schemas.microsoft.com/office/drawing/2014/main" id="{B09EA279-7125-41AD-8B25-8923A8D446E7}"/>
+                      <a16:creationId xmlns:a16="http://schemas.microsoft.com/office/drawing/2014/main" id="{646AF75B-D00D-4B28-BE44-15E2B52CA55D}"/>
                     </a:ext>
                   </a:extLst>
                 </p:cNvPr>
@@ -7698,10 +7855,10 @@
             </p:cxnSp>
             <p:cxnSp>
               <p:nvCxnSpPr>
-                <p:cNvPr id="15" name="直線接點 14">
+                <p:cNvPr id="24" name="直線接點 23">
                   <a:extLst>
                     <a:ext uri="{FF2B5EF4-FFF2-40B4-BE49-F238E27FC236}">
-                      <a16:creationId xmlns:a16="http://schemas.microsoft.com/office/drawing/2014/main" id="{375289F3-5C6C-4265-81B9-58D8A3F3CE21}"/>
+                      <a16:creationId xmlns:a16="http://schemas.microsoft.com/office/drawing/2014/main" id="{125A026C-FB70-4305-830B-5944DB1B3E2C}"/>
                     </a:ext>
                   </a:extLst>
                 </p:cNvPr>
@@ -7736,33 +7893,12 @@
               </p:style>
             </p:cxnSp>
           </p:grpSp>
-        </p:grpSp>
-        <p:grpSp>
-          <p:nvGrpSpPr>
-            <p:cNvPr id="18" name="群組 17">
-              <a:extLst>
-                <a:ext uri="{FF2B5EF4-FFF2-40B4-BE49-F238E27FC236}">
-                  <a16:creationId xmlns:a16="http://schemas.microsoft.com/office/drawing/2014/main" id="{F625535D-5785-478E-BEDA-42400F00E434}"/>
-                </a:ext>
-              </a:extLst>
-            </p:cNvPr>
-            <p:cNvGrpSpPr/>
-            <p:nvPr/>
-          </p:nvGrpSpPr>
-          <p:grpSpPr>
-            <a:xfrm rot="16200000">
-              <a:off x="3188311" y="3142664"/>
-              <a:ext cx="818888" cy="572672"/>
-              <a:chOff x="7987392" y="1023258"/>
-              <a:chExt cx="1214143" cy="849085"/>
-            </a:xfrm>
-          </p:grpSpPr>
           <p:cxnSp>
             <p:nvCxnSpPr>
-              <p:cNvPr id="19" name="直線接點 18">
+              <p:cNvPr id="22" name="直線接點 21">
                 <a:extLst>
                   <a:ext uri="{FF2B5EF4-FFF2-40B4-BE49-F238E27FC236}">
-                    <a16:creationId xmlns:a16="http://schemas.microsoft.com/office/drawing/2014/main" id="{5B402455-12E2-4504-8F83-225E2812D586}"/>
+                    <a16:creationId xmlns:a16="http://schemas.microsoft.com/office/drawing/2014/main" id="{B55A67D9-F8CE-49ED-85C7-F72AD628A790}"/>
                   </a:ext>
                 </a:extLst>
               </p:cNvPr>
@@ -7771,7 +7907,7 @@
             </p:nvCxnSpPr>
             <p:spPr>
               <a:xfrm>
-                <a:off x="7987392" y="1023258"/>
+                <a:off x="6324598" y="3810000"/>
                 <a:ext cx="1197430" cy="0"/>
               </a:xfrm>
               <a:prstGeom prst="line">
@@ -7794,12 +7930,153 @@
               </a:fontRef>
             </p:style>
           </p:cxnSp>
+        </p:grpSp>
+      </p:grpSp>
+      <p:grpSp>
+        <p:nvGrpSpPr>
+          <p:cNvPr id="25" name="群組 24">
+            <a:extLst>
+              <a:ext uri="{FF2B5EF4-FFF2-40B4-BE49-F238E27FC236}">
+                <a16:creationId xmlns:a16="http://schemas.microsoft.com/office/drawing/2014/main" id="{14148ACA-8246-461E-99D8-327E20D1891C}"/>
+              </a:ext>
+            </a:extLst>
+          </p:cNvPr>
+          <p:cNvGrpSpPr/>
+          <p:nvPr/>
+        </p:nvGrpSpPr>
+        <p:grpSpPr>
+          <a:xfrm rot="2700000">
+            <a:off x="3964434" y="4899417"/>
+            <a:ext cx="855634" cy="572673"/>
+            <a:chOff x="6598680" y="1045026"/>
+            <a:chExt cx="1208316" cy="808722"/>
+          </a:xfrm>
+        </p:grpSpPr>
+        <p:grpSp>
+          <p:nvGrpSpPr>
+            <p:cNvPr id="26" name="群組 25">
+              <a:extLst>
+                <a:ext uri="{FF2B5EF4-FFF2-40B4-BE49-F238E27FC236}">
+                  <a16:creationId xmlns:a16="http://schemas.microsoft.com/office/drawing/2014/main" id="{9FF39542-0B86-4EE7-A4B1-0714A749DDBA}"/>
+                </a:ext>
+              </a:extLst>
+            </p:cNvPr>
+            <p:cNvGrpSpPr/>
+            <p:nvPr/>
+          </p:nvGrpSpPr>
+          <p:grpSpPr>
+            <a:xfrm>
+              <a:off x="6609565" y="1045026"/>
+              <a:ext cx="1197431" cy="0"/>
+              <a:chOff x="6313712" y="3418114"/>
+              <a:chExt cx="1197431" cy="0"/>
+            </a:xfrm>
+          </p:grpSpPr>
+          <p:cxnSp>
+            <p:nvCxnSpPr>
+              <p:cNvPr id="32" name="直線接點 31">
+                <a:extLst>
+                  <a:ext uri="{FF2B5EF4-FFF2-40B4-BE49-F238E27FC236}">
+                    <a16:creationId xmlns:a16="http://schemas.microsoft.com/office/drawing/2014/main" id="{24CC3F11-84CA-4D3C-B66A-C7C459035931}"/>
+                  </a:ext>
+                </a:extLst>
+              </p:cNvPr>
+              <p:cNvCxnSpPr>
+                <a:cxnSpLocks/>
+              </p:cNvCxnSpPr>
+              <p:nvPr/>
+            </p:nvCxnSpPr>
+            <p:spPr>
+              <a:xfrm>
+                <a:off x="6313712" y="3418114"/>
+                <a:ext cx="489858" cy="0"/>
+              </a:xfrm>
+              <a:prstGeom prst="line">
+                <a:avLst/>
+              </a:prstGeom>
+              <a:ln w="63500"/>
+            </p:spPr>
+            <p:style>
+              <a:lnRef idx="1">
+                <a:schemeClr val="accent1"/>
+              </a:lnRef>
+              <a:fillRef idx="0">
+                <a:schemeClr val="accent1"/>
+              </a:fillRef>
+              <a:effectRef idx="0">
+                <a:schemeClr val="accent1"/>
+              </a:effectRef>
+              <a:fontRef idx="minor">
+                <a:schemeClr val="tx1"/>
+              </a:fontRef>
+            </p:style>
+          </p:cxnSp>
+          <p:cxnSp>
+            <p:nvCxnSpPr>
+              <p:cNvPr id="33" name="直線接點 32">
+                <a:extLst>
+                  <a:ext uri="{FF2B5EF4-FFF2-40B4-BE49-F238E27FC236}">
+                    <a16:creationId xmlns:a16="http://schemas.microsoft.com/office/drawing/2014/main" id="{5B83D784-9FC8-4431-A15C-8266EA0763FC}"/>
+                  </a:ext>
+                </a:extLst>
+              </p:cNvPr>
+              <p:cNvCxnSpPr>
+                <a:cxnSpLocks/>
+              </p:cNvCxnSpPr>
+              <p:nvPr/>
+            </p:nvCxnSpPr>
+            <p:spPr>
+              <a:xfrm>
+                <a:off x="7021285" y="3418114"/>
+                <a:ext cx="489858" cy="0"/>
+              </a:xfrm>
+              <a:prstGeom prst="line">
+                <a:avLst/>
+              </a:prstGeom>
+              <a:ln w="63500"/>
+            </p:spPr>
+            <p:style>
+              <a:lnRef idx="1">
+                <a:schemeClr val="accent1"/>
+              </a:lnRef>
+              <a:fillRef idx="0">
+                <a:schemeClr val="accent1"/>
+              </a:fillRef>
+              <a:effectRef idx="0">
+                <a:schemeClr val="accent1"/>
+              </a:effectRef>
+              <a:fontRef idx="minor">
+                <a:schemeClr val="tx1"/>
+              </a:fontRef>
+            </p:style>
+          </p:cxnSp>
+        </p:grpSp>
+        <p:grpSp>
+          <p:nvGrpSpPr>
+            <p:cNvPr id="27" name="群組 26">
+              <a:extLst>
+                <a:ext uri="{FF2B5EF4-FFF2-40B4-BE49-F238E27FC236}">
+                  <a16:creationId xmlns:a16="http://schemas.microsoft.com/office/drawing/2014/main" id="{ACFBCB9F-0906-4562-894A-7A2A1BFB40E7}"/>
+                </a:ext>
+              </a:extLst>
+            </p:cNvPr>
+            <p:cNvGrpSpPr/>
+            <p:nvPr/>
+          </p:nvGrpSpPr>
+          <p:grpSpPr>
+            <a:xfrm>
+              <a:off x="6598680" y="1461862"/>
+              <a:ext cx="1208316" cy="391886"/>
+              <a:chOff x="6313712" y="3418114"/>
+              <a:chExt cx="1208316" cy="391886"/>
+            </a:xfrm>
+          </p:grpSpPr>
           <p:grpSp>
             <p:nvGrpSpPr>
-              <p:cNvPr id="20" name="群組 19">
+              <p:cNvPr id="28" name="群組 27">
                 <a:extLst>
                   <a:ext uri="{FF2B5EF4-FFF2-40B4-BE49-F238E27FC236}">
-                    <a16:creationId xmlns:a16="http://schemas.microsoft.com/office/drawing/2014/main" id="{392FA04B-647B-487D-AD27-F6B0CCD8C643}"/>
+                    <a16:creationId xmlns:a16="http://schemas.microsoft.com/office/drawing/2014/main" id="{6713BBEF-133C-42B6-9EF9-19ECEAA35D54}"/>
                   </a:ext>
                 </a:extLst>
               </p:cNvPr>
@@ -7808,185 +8085,7 @@
             </p:nvGrpSpPr>
             <p:grpSpPr>
               <a:xfrm>
-                <a:off x="7993219" y="1480457"/>
-                <a:ext cx="1208316" cy="391886"/>
-                <a:chOff x="6313712" y="3418114"/>
-                <a:chExt cx="1208316" cy="391886"/>
-              </a:xfrm>
-            </p:grpSpPr>
-            <p:grpSp>
-              <p:nvGrpSpPr>
-                <p:cNvPr id="21" name="群組 20">
-                  <a:extLst>
-                    <a:ext uri="{FF2B5EF4-FFF2-40B4-BE49-F238E27FC236}">
-                      <a16:creationId xmlns:a16="http://schemas.microsoft.com/office/drawing/2014/main" id="{6D6F52C1-599E-4EA2-807C-1657D8F1CBBC}"/>
-                    </a:ext>
-                  </a:extLst>
-                </p:cNvPr>
-                <p:cNvGrpSpPr/>
-                <p:nvPr/>
-              </p:nvGrpSpPr>
-              <p:grpSpPr>
-                <a:xfrm>
-                  <a:off x="6313712" y="3418114"/>
-                  <a:ext cx="1197431" cy="0"/>
-                  <a:chOff x="6313712" y="3418114"/>
-                  <a:chExt cx="1197431" cy="0"/>
-                </a:xfrm>
-              </p:grpSpPr>
-              <p:cxnSp>
-                <p:nvCxnSpPr>
-                  <p:cNvPr id="23" name="直線接點 22">
-                    <a:extLst>
-                      <a:ext uri="{FF2B5EF4-FFF2-40B4-BE49-F238E27FC236}">
-                        <a16:creationId xmlns:a16="http://schemas.microsoft.com/office/drawing/2014/main" id="{646AF75B-D00D-4B28-BE44-15E2B52CA55D}"/>
-                      </a:ext>
-                    </a:extLst>
-                  </p:cNvPr>
-                  <p:cNvCxnSpPr>
-                    <a:cxnSpLocks/>
-                  </p:cNvCxnSpPr>
-                  <p:nvPr/>
-                </p:nvCxnSpPr>
-                <p:spPr>
-                  <a:xfrm>
-                    <a:off x="6313712" y="3418114"/>
-                    <a:ext cx="489858" cy="0"/>
-                  </a:xfrm>
-                  <a:prstGeom prst="line">
-                    <a:avLst/>
-                  </a:prstGeom>
-                  <a:ln w="63500"/>
-                </p:spPr>
-                <p:style>
-                  <a:lnRef idx="1">
-                    <a:schemeClr val="accent1"/>
-                  </a:lnRef>
-                  <a:fillRef idx="0">
-                    <a:schemeClr val="accent1"/>
-                  </a:fillRef>
-                  <a:effectRef idx="0">
-                    <a:schemeClr val="accent1"/>
-                  </a:effectRef>
-                  <a:fontRef idx="minor">
-                    <a:schemeClr val="tx1"/>
-                  </a:fontRef>
-                </p:style>
-              </p:cxnSp>
-              <p:cxnSp>
-                <p:nvCxnSpPr>
-                  <p:cNvPr id="24" name="直線接點 23">
-                    <a:extLst>
-                      <a:ext uri="{FF2B5EF4-FFF2-40B4-BE49-F238E27FC236}">
-                        <a16:creationId xmlns:a16="http://schemas.microsoft.com/office/drawing/2014/main" id="{125A026C-FB70-4305-830B-5944DB1B3E2C}"/>
-                      </a:ext>
-                    </a:extLst>
-                  </p:cNvPr>
-                  <p:cNvCxnSpPr>
-                    <a:cxnSpLocks/>
-                  </p:cNvCxnSpPr>
-                  <p:nvPr/>
-                </p:nvCxnSpPr>
-                <p:spPr>
-                  <a:xfrm>
-                    <a:off x="7021285" y="3418114"/>
-                    <a:ext cx="489858" cy="0"/>
-                  </a:xfrm>
-                  <a:prstGeom prst="line">
-                    <a:avLst/>
-                  </a:prstGeom>
-                  <a:ln w="63500"/>
-                </p:spPr>
-                <p:style>
-                  <a:lnRef idx="1">
-                    <a:schemeClr val="accent1"/>
-                  </a:lnRef>
-                  <a:fillRef idx="0">
-                    <a:schemeClr val="accent1"/>
-                  </a:fillRef>
-                  <a:effectRef idx="0">
-                    <a:schemeClr val="accent1"/>
-                  </a:effectRef>
-                  <a:fontRef idx="minor">
-                    <a:schemeClr val="tx1"/>
-                  </a:fontRef>
-                </p:style>
-              </p:cxnSp>
-            </p:grpSp>
-            <p:cxnSp>
-              <p:nvCxnSpPr>
-                <p:cNvPr id="22" name="直線接點 21">
-                  <a:extLst>
-                    <a:ext uri="{FF2B5EF4-FFF2-40B4-BE49-F238E27FC236}">
-                      <a16:creationId xmlns:a16="http://schemas.microsoft.com/office/drawing/2014/main" id="{B55A67D9-F8CE-49ED-85C7-F72AD628A790}"/>
-                    </a:ext>
-                  </a:extLst>
-                </p:cNvPr>
-                <p:cNvCxnSpPr/>
-                <p:nvPr/>
-              </p:nvCxnSpPr>
-              <p:spPr>
-                <a:xfrm>
-                  <a:off x="6324598" y="3810000"/>
-                  <a:ext cx="1197430" cy="0"/>
-                </a:xfrm>
-                <a:prstGeom prst="line">
-                  <a:avLst/>
-                </a:prstGeom>
-                <a:ln w="63500"/>
-              </p:spPr>
-              <p:style>
-                <a:lnRef idx="1">
-                  <a:schemeClr val="accent1"/>
-                </a:lnRef>
-                <a:fillRef idx="0">
-                  <a:schemeClr val="accent1"/>
-                </a:fillRef>
-                <a:effectRef idx="0">
-                  <a:schemeClr val="accent1"/>
-                </a:effectRef>
-                <a:fontRef idx="minor">
-                  <a:schemeClr val="tx1"/>
-                </a:fontRef>
-              </p:style>
-            </p:cxnSp>
-          </p:grpSp>
-        </p:grpSp>
-        <p:grpSp>
-          <p:nvGrpSpPr>
-            <p:cNvPr id="25" name="群組 24">
-              <a:extLst>
-                <a:ext uri="{FF2B5EF4-FFF2-40B4-BE49-F238E27FC236}">
-                  <a16:creationId xmlns:a16="http://schemas.microsoft.com/office/drawing/2014/main" id="{14148ACA-8246-461E-99D8-327E20D1891C}"/>
-                </a:ext>
-              </a:extLst>
-            </p:cNvPr>
-            <p:cNvGrpSpPr/>
-            <p:nvPr/>
-          </p:nvGrpSpPr>
-          <p:grpSpPr>
-            <a:xfrm rot="-8100000">
-              <a:off x="3964434" y="4899417"/>
-              <a:ext cx="855634" cy="572673"/>
-              <a:chOff x="6598680" y="1045026"/>
-              <a:chExt cx="1208316" cy="808722"/>
-            </a:xfrm>
-          </p:grpSpPr>
-          <p:grpSp>
-            <p:nvGrpSpPr>
-              <p:cNvPr id="26" name="群組 25">
-                <a:extLst>
-                  <a:ext uri="{FF2B5EF4-FFF2-40B4-BE49-F238E27FC236}">
-                    <a16:creationId xmlns:a16="http://schemas.microsoft.com/office/drawing/2014/main" id="{9FF39542-0B86-4EE7-A4B1-0714A749DDBA}"/>
-                  </a:ext>
-                </a:extLst>
-              </p:cNvPr>
-              <p:cNvGrpSpPr/>
-              <p:nvPr/>
-            </p:nvGrpSpPr>
-            <p:grpSpPr>
-              <a:xfrm>
-                <a:off x="6609565" y="1045026"/>
+                <a:off x="6313712" y="3418114"/>
                 <a:ext cx="1197431" cy="0"/>
                 <a:chOff x="6313712" y="3418114"/>
                 <a:chExt cx="1197431" cy="0"/>
@@ -7994,10 +8093,10 @@
             </p:grpSpPr>
             <p:cxnSp>
               <p:nvCxnSpPr>
-                <p:cNvPr id="32" name="直線接點 31">
+                <p:cNvPr id="30" name="直線接點 29">
                   <a:extLst>
                     <a:ext uri="{FF2B5EF4-FFF2-40B4-BE49-F238E27FC236}">
-                      <a16:creationId xmlns:a16="http://schemas.microsoft.com/office/drawing/2014/main" id="{24CC3F11-84CA-4D3C-B66A-C7C459035931}"/>
+                      <a16:creationId xmlns:a16="http://schemas.microsoft.com/office/drawing/2014/main" id="{0C199CDF-EC2F-4D91-8798-AC4981F3E150}"/>
                     </a:ext>
                   </a:extLst>
                 </p:cNvPr>
@@ -8033,10 +8132,680 @@
             </p:cxnSp>
             <p:cxnSp>
               <p:nvCxnSpPr>
-                <p:cNvPr id="33" name="直線接點 32">
+                <p:cNvPr id="31" name="直線接點 30">
                   <a:extLst>
                     <a:ext uri="{FF2B5EF4-FFF2-40B4-BE49-F238E27FC236}">
-                      <a16:creationId xmlns:a16="http://schemas.microsoft.com/office/drawing/2014/main" id="{5B83D784-9FC8-4431-A15C-8266EA0763FC}"/>
+                      <a16:creationId xmlns:a16="http://schemas.microsoft.com/office/drawing/2014/main" id="{60478FBE-487C-40F4-AB7B-83420A73DFD2}"/>
+                    </a:ext>
+                  </a:extLst>
+                </p:cNvPr>
+                <p:cNvCxnSpPr>
+                  <a:cxnSpLocks/>
+                </p:cNvCxnSpPr>
+                <p:nvPr/>
+              </p:nvCxnSpPr>
+              <p:spPr>
+                <a:xfrm>
+                  <a:off x="7021285" y="3418114"/>
+                  <a:ext cx="489858" cy="0"/>
+                </a:xfrm>
+                <a:prstGeom prst="line">
+                  <a:avLst/>
+                </a:prstGeom>
+                <a:ln w="63500"/>
+              </p:spPr>
+              <p:style>
+                <a:lnRef idx="1">
+                  <a:schemeClr val="accent1"/>
+                </a:lnRef>
+                <a:fillRef idx="0">
+                  <a:schemeClr val="accent1"/>
+                </a:fillRef>
+                <a:effectRef idx="0">
+                  <a:schemeClr val="accent1"/>
+                </a:effectRef>
+                <a:fontRef idx="minor">
+                  <a:schemeClr val="tx1"/>
+                </a:fontRef>
+              </p:style>
+            </p:cxnSp>
+          </p:grpSp>
+          <p:cxnSp>
+            <p:nvCxnSpPr>
+              <p:cNvPr id="29" name="直線接點 28">
+                <a:extLst>
+                  <a:ext uri="{FF2B5EF4-FFF2-40B4-BE49-F238E27FC236}">
+                    <a16:creationId xmlns:a16="http://schemas.microsoft.com/office/drawing/2014/main" id="{F348105A-F68E-410A-8620-A6B34CDDA63A}"/>
+                  </a:ext>
+                </a:extLst>
+              </p:cNvPr>
+              <p:cNvCxnSpPr/>
+              <p:nvPr/>
+            </p:nvCxnSpPr>
+            <p:spPr>
+              <a:xfrm>
+                <a:off x="6324598" y="3810000"/>
+                <a:ext cx="1197430" cy="0"/>
+              </a:xfrm>
+              <a:prstGeom prst="line">
+                <a:avLst/>
+              </a:prstGeom>
+              <a:ln w="63500"/>
+            </p:spPr>
+            <p:style>
+              <a:lnRef idx="1">
+                <a:schemeClr val="accent1"/>
+              </a:lnRef>
+              <a:fillRef idx="0">
+                <a:schemeClr val="accent1"/>
+              </a:fillRef>
+              <a:effectRef idx="0">
+                <a:schemeClr val="accent1"/>
+              </a:effectRef>
+              <a:fontRef idx="minor">
+                <a:schemeClr val="tx1"/>
+              </a:fontRef>
+            </p:style>
+          </p:cxnSp>
+        </p:grpSp>
+      </p:grpSp>
+      <p:grpSp>
+        <p:nvGrpSpPr>
+          <p:cNvPr id="34" name="群組 33">
+            <a:extLst>
+              <a:ext uri="{FF2B5EF4-FFF2-40B4-BE49-F238E27FC236}">
+                <a16:creationId xmlns:a16="http://schemas.microsoft.com/office/drawing/2014/main" id="{060D1575-7C65-4D60-9703-2701716D41E4}"/>
+              </a:ext>
+            </a:extLst>
+          </p:cNvPr>
+          <p:cNvGrpSpPr/>
+          <p:nvPr/>
+        </p:nvGrpSpPr>
+        <p:grpSpPr>
+          <a:xfrm rot="13500000">
+            <a:off x="7409198" y="1409435"/>
+            <a:ext cx="812268" cy="548830"/>
+            <a:chOff x="5204142" y="1055913"/>
+            <a:chExt cx="1208315" cy="816429"/>
+          </a:xfrm>
+        </p:grpSpPr>
+        <p:grpSp>
+          <p:nvGrpSpPr>
+            <p:cNvPr id="35" name="群組 34">
+              <a:extLst>
+                <a:ext uri="{FF2B5EF4-FFF2-40B4-BE49-F238E27FC236}">
+                  <a16:creationId xmlns:a16="http://schemas.microsoft.com/office/drawing/2014/main" id="{A9F53B24-7984-4559-B14B-9CED8084D9EF}"/>
+                </a:ext>
+              </a:extLst>
+            </p:cNvPr>
+            <p:cNvGrpSpPr/>
+            <p:nvPr/>
+          </p:nvGrpSpPr>
+          <p:grpSpPr>
+            <a:xfrm>
+              <a:off x="5204142" y="1443945"/>
+              <a:ext cx="1208315" cy="428397"/>
+              <a:chOff x="4572002" y="3392488"/>
+              <a:chExt cx="1208315" cy="428397"/>
+            </a:xfrm>
+          </p:grpSpPr>
+          <p:grpSp>
+            <p:nvGrpSpPr>
+              <p:cNvPr id="37" name="群組 36">
+                <a:extLst>
+                  <a:ext uri="{FF2B5EF4-FFF2-40B4-BE49-F238E27FC236}">
+                    <a16:creationId xmlns:a16="http://schemas.microsoft.com/office/drawing/2014/main" id="{2181B44B-2B3F-4D0A-931F-61C806536722}"/>
+                  </a:ext>
+                </a:extLst>
+              </p:cNvPr>
+              <p:cNvGrpSpPr/>
+              <p:nvPr/>
+            </p:nvGrpSpPr>
+            <p:grpSpPr>
+              <a:xfrm>
+                <a:off x="4582886" y="3820885"/>
+                <a:ext cx="1197431" cy="0"/>
+                <a:chOff x="6313712" y="3418114"/>
+                <a:chExt cx="1197431" cy="0"/>
+              </a:xfrm>
+            </p:grpSpPr>
+            <p:cxnSp>
+              <p:nvCxnSpPr>
+                <p:cNvPr id="39" name="直線接點 38">
+                  <a:extLst>
+                    <a:ext uri="{FF2B5EF4-FFF2-40B4-BE49-F238E27FC236}">
+                      <a16:creationId xmlns:a16="http://schemas.microsoft.com/office/drawing/2014/main" id="{46C20F95-510C-44DD-88E7-58D3EFD7F6C2}"/>
+                    </a:ext>
+                  </a:extLst>
+                </p:cNvPr>
+                <p:cNvCxnSpPr>
+                  <a:cxnSpLocks/>
+                </p:cNvCxnSpPr>
+                <p:nvPr/>
+              </p:nvCxnSpPr>
+              <p:spPr>
+                <a:xfrm>
+                  <a:off x="6313712" y="3418114"/>
+                  <a:ext cx="489858" cy="0"/>
+                </a:xfrm>
+                <a:prstGeom prst="line">
+                  <a:avLst/>
+                </a:prstGeom>
+                <a:ln w="63500"/>
+              </p:spPr>
+              <p:style>
+                <a:lnRef idx="1">
+                  <a:schemeClr val="accent1"/>
+                </a:lnRef>
+                <a:fillRef idx="0">
+                  <a:schemeClr val="accent1"/>
+                </a:fillRef>
+                <a:effectRef idx="0">
+                  <a:schemeClr val="accent1"/>
+                </a:effectRef>
+                <a:fontRef idx="minor">
+                  <a:schemeClr val="tx1"/>
+                </a:fontRef>
+              </p:style>
+            </p:cxnSp>
+            <p:cxnSp>
+              <p:nvCxnSpPr>
+                <p:cNvPr id="40" name="直線接點 39">
+                  <a:extLst>
+                    <a:ext uri="{FF2B5EF4-FFF2-40B4-BE49-F238E27FC236}">
+                      <a16:creationId xmlns:a16="http://schemas.microsoft.com/office/drawing/2014/main" id="{0368F8FA-2BB2-4ADC-9868-932540339F5C}"/>
+                    </a:ext>
+                  </a:extLst>
+                </p:cNvPr>
+                <p:cNvCxnSpPr>
+                  <a:cxnSpLocks/>
+                </p:cNvCxnSpPr>
+                <p:nvPr/>
+              </p:nvCxnSpPr>
+              <p:spPr>
+                <a:xfrm>
+                  <a:off x="7021285" y="3418114"/>
+                  <a:ext cx="489858" cy="0"/>
+                </a:xfrm>
+                <a:prstGeom prst="line">
+                  <a:avLst/>
+                </a:prstGeom>
+                <a:ln w="63500"/>
+              </p:spPr>
+              <p:style>
+                <a:lnRef idx="1">
+                  <a:schemeClr val="accent1"/>
+                </a:lnRef>
+                <a:fillRef idx="0">
+                  <a:schemeClr val="accent1"/>
+                </a:fillRef>
+                <a:effectRef idx="0">
+                  <a:schemeClr val="accent1"/>
+                </a:effectRef>
+                <a:fontRef idx="minor">
+                  <a:schemeClr val="tx1"/>
+                </a:fontRef>
+              </p:style>
+            </p:cxnSp>
+          </p:grpSp>
+          <p:cxnSp>
+            <p:nvCxnSpPr>
+              <p:cNvPr id="38" name="直線接點 37">
+                <a:extLst>
+                  <a:ext uri="{FF2B5EF4-FFF2-40B4-BE49-F238E27FC236}">
+                    <a16:creationId xmlns:a16="http://schemas.microsoft.com/office/drawing/2014/main" id="{E41C00D8-3941-4F39-8E91-CE795B722298}"/>
+                  </a:ext>
+                </a:extLst>
+              </p:cNvPr>
+              <p:cNvCxnSpPr/>
+              <p:nvPr/>
+            </p:nvCxnSpPr>
+            <p:spPr>
+              <a:xfrm>
+                <a:off x="4572002" y="3392488"/>
+                <a:ext cx="1197430" cy="0"/>
+              </a:xfrm>
+              <a:prstGeom prst="line">
+                <a:avLst/>
+              </a:prstGeom>
+              <a:ln w="63500"/>
+            </p:spPr>
+            <p:style>
+              <a:lnRef idx="1">
+                <a:schemeClr val="accent1"/>
+              </a:lnRef>
+              <a:fillRef idx="0">
+                <a:schemeClr val="accent1"/>
+              </a:fillRef>
+              <a:effectRef idx="0">
+                <a:schemeClr val="accent1"/>
+              </a:effectRef>
+              <a:fontRef idx="minor">
+                <a:schemeClr val="tx1"/>
+              </a:fontRef>
+            </p:style>
+          </p:cxnSp>
+        </p:grpSp>
+        <p:cxnSp>
+          <p:nvCxnSpPr>
+            <p:cNvPr id="36" name="直線接點 35">
+              <a:extLst>
+                <a:ext uri="{FF2B5EF4-FFF2-40B4-BE49-F238E27FC236}">
+                  <a16:creationId xmlns:a16="http://schemas.microsoft.com/office/drawing/2014/main" id="{2ADAA702-7C43-4F2D-B01A-E8E2B5386394}"/>
+                </a:ext>
+              </a:extLst>
+            </p:cNvPr>
+            <p:cNvCxnSpPr/>
+            <p:nvPr/>
+          </p:nvCxnSpPr>
+          <p:spPr>
+            <a:xfrm>
+              <a:off x="5208418" y="1055913"/>
+              <a:ext cx="1197430" cy="0"/>
+            </a:xfrm>
+            <a:prstGeom prst="line">
+              <a:avLst/>
+            </a:prstGeom>
+            <a:ln w="63500"/>
+          </p:spPr>
+          <p:style>
+            <a:lnRef idx="1">
+              <a:schemeClr val="accent1"/>
+            </a:lnRef>
+            <a:fillRef idx="0">
+              <a:schemeClr val="accent1"/>
+            </a:fillRef>
+            <a:effectRef idx="0">
+              <a:schemeClr val="accent1"/>
+            </a:effectRef>
+            <a:fontRef idx="minor">
+              <a:schemeClr val="tx1"/>
+            </a:fontRef>
+          </p:style>
+        </p:cxnSp>
+      </p:grpSp>
+      <p:grpSp>
+        <p:nvGrpSpPr>
+          <p:cNvPr id="41" name="群組 40">
+            <a:extLst>
+              <a:ext uri="{FF2B5EF4-FFF2-40B4-BE49-F238E27FC236}">
+                <a16:creationId xmlns:a16="http://schemas.microsoft.com/office/drawing/2014/main" id="{A91EA2D6-E77F-4F64-8C03-B2C220B81F20}"/>
+              </a:ext>
+            </a:extLst>
+          </p:cNvPr>
+          <p:cNvGrpSpPr/>
+          <p:nvPr/>
+        </p:nvGrpSpPr>
+        <p:grpSpPr>
+          <a:xfrm rot="5400000">
+            <a:off x="8242979" y="3123914"/>
+            <a:ext cx="908994" cy="621441"/>
+            <a:chOff x="3807788" y="1045026"/>
+            <a:chExt cx="1210131" cy="827316"/>
+          </a:xfrm>
+        </p:grpSpPr>
+        <p:grpSp>
+          <p:nvGrpSpPr>
+            <p:cNvPr id="42" name="群組 41">
+              <a:extLst>
+                <a:ext uri="{FF2B5EF4-FFF2-40B4-BE49-F238E27FC236}">
+                  <a16:creationId xmlns:a16="http://schemas.microsoft.com/office/drawing/2014/main" id="{044CCFEA-C825-4AD0-B8E0-E3A4ACA70988}"/>
+                </a:ext>
+              </a:extLst>
+            </p:cNvPr>
+            <p:cNvGrpSpPr/>
+            <p:nvPr/>
+          </p:nvGrpSpPr>
+          <p:grpSpPr>
+            <a:xfrm>
+              <a:off x="3809604" y="1443945"/>
+              <a:ext cx="1208315" cy="428397"/>
+              <a:chOff x="4572002" y="3392488"/>
+              <a:chExt cx="1208315" cy="428397"/>
+            </a:xfrm>
+          </p:grpSpPr>
+          <p:grpSp>
+            <p:nvGrpSpPr>
+              <p:cNvPr id="46" name="群組 45">
+                <a:extLst>
+                  <a:ext uri="{FF2B5EF4-FFF2-40B4-BE49-F238E27FC236}">
+                    <a16:creationId xmlns:a16="http://schemas.microsoft.com/office/drawing/2014/main" id="{57BBC2FE-4D4C-4A0D-B7AF-1B501BB72606}"/>
+                  </a:ext>
+                </a:extLst>
+              </p:cNvPr>
+              <p:cNvGrpSpPr/>
+              <p:nvPr/>
+            </p:nvGrpSpPr>
+            <p:grpSpPr>
+              <a:xfrm>
+                <a:off x="4582886" y="3820885"/>
+                <a:ext cx="1197431" cy="0"/>
+                <a:chOff x="6313712" y="3418114"/>
+                <a:chExt cx="1197431" cy="0"/>
+              </a:xfrm>
+            </p:grpSpPr>
+            <p:cxnSp>
+              <p:nvCxnSpPr>
+                <p:cNvPr id="48" name="直線接點 47">
+                  <a:extLst>
+                    <a:ext uri="{FF2B5EF4-FFF2-40B4-BE49-F238E27FC236}">
+                      <a16:creationId xmlns:a16="http://schemas.microsoft.com/office/drawing/2014/main" id="{A44CCF79-B2BD-4BC7-A3CF-F91E6899319E}"/>
+                    </a:ext>
+                  </a:extLst>
+                </p:cNvPr>
+                <p:cNvCxnSpPr>
+                  <a:cxnSpLocks/>
+                </p:cNvCxnSpPr>
+                <p:nvPr/>
+              </p:nvCxnSpPr>
+              <p:spPr>
+                <a:xfrm>
+                  <a:off x="6313712" y="3418114"/>
+                  <a:ext cx="489858" cy="0"/>
+                </a:xfrm>
+                <a:prstGeom prst="line">
+                  <a:avLst/>
+                </a:prstGeom>
+                <a:ln w="63500"/>
+              </p:spPr>
+              <p:style>
+                <a:lnRef idx="1">
+                  <a:schemeClr val="accent1"/>
+                </a:lnRef>
+                <a:fillRef idx="0">
+                  <a:schemeClr val="accent1"/>
+                </a:fillRef>
+                <a:effectRef idx="0">
+                  <a:schemeClr val="accent1"/>
+                </a:effectRef>
+                <a:fontRef idx="minor">
+                  <a:schemeClr val="tx1"/>
+                </a:fontRef>
+              </p:style>
+            </p:cxnSp>
+            <p:cxnSp>
+              <p:nvCxnSpPr>
+                <p:cNvPr id="49" name="直線接點 48">
+                  <a:extLst>
+                    <a:ext uri="{FF2B5EF4-FFF2-40B4-BE49-F238E27FC236}">
+                      <a16:creationId xmlns:a16="http://schemas.microsoft.com/office/drawing/2014/main" id="{DF6D834A-4D3E-4EBE-B69B-3812DF53EAA6}"/>
+                    </a:ext>
+                  </a:extLst>
+                </p:cNvPr>
+                <p:cNvCxnSpPr>
+                  <a:cxnSpLocks/>
+                </p:cNvCxnSpPr>
+                <p:nvPr/>
+              </p:nvCxnSpPr>
+              <p:spPr>
+                <a:xfrm>
+                  <a:off x="7021285" y="3418114"/>
+                  <a:ext cx="489858" cy="0"/>
+                </a:xfrm>
+                <a:prstGeom prst="line">
+                  <a:avLst/>
+                </a:prstGeom>
+                <a:ln w="63500"/>
+              </p:spPr>
+              <p:style>
+                <a:lnRef idx="1">
+                  <a:schemeClr val="accent1"/>
+                </a:lnRef>
+                <a:fillRef idx="0">
+                  <a:schemeClr val="accent1"/>
+                </a:fillRef>
+                <a:effectRef idx="0">
+                  <a:schemeClr val="accent1"/>
+                </a:effectRef>
+                <a:fontRef idx="minor">
+                  <a:schemeClr val="tx1"/>
+                </a:fontRef>
+              </p:style>
+            </p:cxnSp>
+          </p:grpSp>
+          <p:cxnSp>
+            <p:nvCxnSpPr>
+              <p:cNvPr id="47" name="直線接點 46">
+                <a:extLst>
+                  <a:ext uri="{FF2B5EF4-FFF2-40B4-BE49-F238E27FC236}">
+                    <a16:creationId xmlns:a16="http://schemas.microsoft.com/office/drawing/2014/main" id="{929D6695-DB28-4B52-B8B4-0BC687774E3C}"/>
+                  </a:ext>
+                </a:extLst>
+              </p:cNvPr>
+              <p:cNvCxnSpPr/>
+              <p:nvPr/>
+            </p:nvCxnSpPr>
+            <p:spPr>
+              <a:xfrm>
+                <a:off x="4572002" y="3392488"/>
+                <a:ext cx="1197430" cy="0"/>
+              </a:xfrm>
+              <a:prstGeom prst="line">
+                <a:avLst/>
+              </a:prstGeom>
+              <a:ln w="63500"/>
+            </p:spPr>
+            <p:style>
+              <a:lnRef idx="1">
+                <a:schemeClr val="accent1"/>
+              </a:lnRef>
+              <a:fillRef idx="0">
+                <a:schemeClr val="accent1"/>
+              </a:fillRef>
+              <a:effectRef idx="0">
+                <a:schemeClr val="accent1"/>
+              </a:effectRef>
+              <a:fontRef idx="minor">
+                <a:schemeClr val="tx1"/>
+              </a:fontRef>
+            </p:style>
+          </p:cxnSp>
+        </p:grpSp>
+        <p:grpSp>
+          <p:nvGrpSpPr>
+            <p:cNvPr id="43" name="群組 42">
+              <a:extLst>
+                <a:ext uri="{FF2B5EF4-FFF2-40B4-BE49-F238E27FC236}">
+                  <a16:creationId xmlns:a16="http://schemas.microsoft.com/office/drawing/2014/main" id="{BD57C951-73C5-4BBE-AB4B-8380672EBA67}"/>
+                </a:ext>
+              </a:extLst>
+            </p:cNvPr>
+            <p:cNvGrpSpPr/>
+            <p:nvPr/>
+          </p:nvGrpSpPr>
+          <p:grpSpPr>
+            <a:xfrm>
+              <a:off x="3807788" y="1045026"/>
+              <a:ext cx="1197431" cy="0"/>
+              <a:chOff x="6313712" y="3418114"/>
+              <a:chExt cx="1197431" cy="0"/>
+            </a:xfrm>
+          </p:grpSpPr>
+          <p:cxnSp>
+            <p:nvCxnSpPr>
+              <p:cNvPr id="44" name="直線接點 43">
+                <a:extLst>
+                  <a:ext uri="{FF2B5EF4-FFF2-40B4-BE49-F238E27FC236}">
+                    <a16:creationId xmlns:a16="http://schemas.microsoft.com/office/drawing/2014/main" id="{2CF459B2-542D-4D32-9F7D-86B21F7AB74E}"/>
+                  </a:ext>
+                </a:extLst>
+              </p:cNvPr>
+              <p:cNvCxnSpPr>
+                <a:cxnSpLocks/>
+              </p:cNvCxnSpPr>
+              <p:nvPr/>
+            </p:nvCxnSpPr>
+            <p:spPr>
+              <a:xfrm>
+                <a:off x="6313712" y="3418114"/>
+                <a:ext cx="489858" cy="0"/>
+              </a:xfrm>
+              <a:prstGeom prst="line">
+                <a:avLst/>
+              </a:prstGeom>
+              <a:ln w="63500"/>
+            </p:spPr>
+            <p:style>
+              <a:lnRef idx="1">
+                <a:schemeClr val="accent1"/>
+              </a:lnRef>
+              <a:fillRef idx="0">
+                <a:schemeClr val="accent1"/>
+              </a:fillRef>
+              <a:effectRef idx="0">
+                <a:schemeClr val="accent1"/>
+              </a:effectRef>
+              <a:fontRef idx="minor">
+                <a:schemeClr val="tx1"/>
+              </a:fontRef>
+            </p:style>
+          </p:cxnSp>
+          <p:cxnSp>
+            <p:nvCxnSpPr>
+              <p:cNvPr id="45" name="直線接點 44">
+                <a:extLst>
+                  <a:ext uri="{FF2B5EF4-FFF2-40B4-BE49-F238E27FC236}">
+                    <a16:creationId xmlns:a16="http://schemas.microsoft.com/office/drawing/2014/main" id="{CD78B097-DED1-4532-A334-A06B3DF41A34}"/>
+                  </a:ext>
+                </a:extLst>
+              </p:cNvPr>
+              <p:cNvCxnSpPr>
+                <a:cxnSpLocks/>
+              </p:cNvCxnSpPr>
+              <p:nvPr/>
+            </p:nvCxnSpPr>
+            <p:spPr>
+              <a:xfrm>
+                <a:off x="7021285" y="3418114"/>
+                <a:ext cx="489858" cy="0"/>
+              </a:xfrm>
+              <a:prstGeom prst="line">
+                <a:avLst/>
+              </a:prstGeom>
+              <a:ln w="63500"/>
+            </p:spPr>
+            <p:style>
+              <a:lnRef idx="1">
+                <a:schemeClr val="accent1"/>
+              </a:lnRef>
+              <a:fillRef idx="0">
+                <a:schemeClr val="accent1"/>
+              </a:fillRef>
+              <a:effectRef idx="0">
+                <a:schemeClr val="accent1"/>
+              </a:effectRef>
+              <a:fontRef idx="minor">
+                <a:schemeClr val="tx1"/>
+              </a:fontRef>
+            </p:style>
+          </p:cxnSp>
+        </p:grpSp>
+      </p:grpSp>
+      <p:grpSp>
+        <p:nvGrpSpPr>
+          <p:cNvPr id="50" name="群組 49">
+            <a:extLst>
+              <a:ext uri="{FF2B5EF4-FFF2-40B4-BE49-F238E27FC236}">
+                <a16:creationId xmlns:a16="http://schemas.microsoft.com/office/drawing/2014/main" id="{3DB13D15-EEFB-448E-BA38-6B7E51058500}"/>
+              </a:ext>
+            </a:extLst>
+          </p:cNvPr>
+          <p:cNvGrpSpPr/>
+          <p:nvPr/>
+        </p:nvGrpSpPr>
+        <p:grpSpPr>
+          <a:xfrm rot="18900000">
+            <a:off x="7389863" y="4906157"/>
+            <a:ext cx="874697" cy="572672"/>
+            <a:chOff x="2415064" y="1055912"/>
+            <a:chExt cx="1213759" cy="794659"/>
+          </a:xfrm>
+        </p:grpSpPr>
+        <p:grpSp>
+          <p:nvGrpSpPr>
+            <p:cNvPr id="51" name="群組 50">
+              <a:extLst>
+                <a:ext uri="{FF2B5EF4-FFF2-40B4-BE49-F238E27FC236}">
+                  <a16:creationId xmlns:a16="http://schemas.microsoft.com/office/drawing/2014/main" id="{80C5EDB5-3748-4B81-87D9-908D1E7A3486}"/>
+                </a:ext>
+              </a:extLst>
+            </p:cNvPr>
+            <p:cNvGrpSpPr/>
+            <p:nvPr/>
+          </p:nvGrpSpPr>
+          <p:grpSpPr>
+            <a:xfrm>
+              <a:off x="2415064" y="1458686"/>
+              <a:ext cx="1208317" cy="391885"/>
+              <a:chOff x="2405740" y="3429000"/>
+              <a:chExt cx="1208317" cy="391885"/>
+            </a:xfrm>
+          </p:grpSpPr>
+          <p:grpSp>
+            <p:nvGrpSpPr>
+              <p:cNvPr id="53" name="群組 52">
+                <a:extLst>
+                  <a:ext uri="{FF2B5EF4-FFF2-40B4-BE49-F238E27FC236}">
+                    <a16:creationId xmlns:a16="http://schemas.microsoft.com/office/drawing/2014/main" id="{FD839B8F-BB95-4458-92C1-60BF8C2F9EEA}"/>
+                  </a:ext>
+                </a:extLst>
+              </p:cNvPr>
+              <p:cNvGrpSpPr/>
+              <p:nvPr/>
+            </p:nvGrpSpPr>
+            <p:grpSpPr>
+              <a:xfrm>
+                <a:off x="2416626" y="3429000"/>
+                <a:ext cx="1197431" cy="0"/>
+                <a:chOff x="6313712" y="3418114"/>
+                <a:chExt cx="1197431" cy="0"/>
+              </a:xfrm>
+            </p:grpSpPr>
+            <p:cxnSp>
+              <p:nvCxnSpPr>
+                <p:cNvPr id="57" name="直線接點 56">
+                  <a:extLst>
+                    <a:ext uri="{FF2B5EF4-FFF2-40B4-BE49-F238E27FC236}">
+                      <a16:creationId xmlns:a16="http://schemas.microsoft.com/office/drawing/2014/main" id="{5CF58FBD-0B5B-4FE8-A695-F277265E30FA}"/>
+                    </a:ext>
+                  </a:extLst>
+                </p:cNvPr>
+                <p:cNvCxnSpPr>
+                  <a:cxnSpLocks/>
+                </p:cNvCxnSpPr>
+                <p:nvPr/>
+              </p:nvCxnSpPr>
+              <p:spPr>
+                <a:xfrm>
+                  <a:off x="6313712" y="3418114"/>
+                  <a:ext cx="489858" cy="0"/>
+                </a:xfrm>
+                <a:prstGeom prst="line">
+                  <a:avLst/>
+                </a:prstGeom>
+                <a:ln w="63500"/>
+              </p:spPr>
+              <p:style>
+                <a:lnRef idx="1">
+                  <a:schemeClr val="accent1"/>
+                </a:lnRef>
+                <a:fillRef idx="0">
+                  <a:schemeClr val="accent1"/>
+                </a:fillRef>
+                <a:effectRef idx="0">
+                  <a:schemeClr val="accent1"/>
+                </a:effectRef>
+                <a:fontRef idx="minor">
+                  <a:schemeClr val="tx1"/>
+                </a:fontRef>
+              </p:style>
+            </p:cxnSp>
+            <p:cxnSp>
+              <p:nvCxnSpPr>
+                <p:cNvPr id="58" name="直線接點 57">
+                  <a:extLst>
+                    <a:ext uri="{FF2B5EF4-FFF2-40B4-BE49-F238E27FC236}">
+                      <a16:creationId xmlns:a16="http://schemas.microsoft.com/office/drawing/2014/main" id="{6B0EFD84-D1D8-4DBB-832F-36B81E140EF5}"/>
                     </a:ext>
                   </a:extLst>
                 </p:cNvPr>
@@ -8073,10 +8842,10 @@
           </p:grpSp>
           <p:grpSp>
             <p:nvGrpSpPr>
-              <p:cNvPr id="27" name="群組 26">
+              <p:cNvPr id="54" name="群組 53">
                 <a:extLst>
                   <a:ext uri="{FF2B5EF4-FFF2-40B4-BE49-F238E27FC236}">
-                    <a16:creationId xmlns:a16="http://schemas.microsoft.com/office/drawing/2014/main" id="{ACFBCB9F-0906-4562-894A-7A2A1BFB40E7}"/>
+                    <a16:creationId xmlns:a16="http://schemas.microsoft.com/office/drawing/2014/main" id="{C7A5923D-A5EE-4CDD-AE8A-29BEC4A8C254}"/>
                   </a:ext>
                 </a:extLst>
               </p:cNvPr>
@@ -8085,557 +8854,7 @@
             </p:nvGrpSpPr>
             <p:grpSpPr>
               <a:xfrm>
-                <a:off x="6598680" y="1461862"/>
-                <a:ext cx="1208316" cy="391886"/>
-                <a:chOff x="6313712" y="3418114"/>
-                <a:chExt cx="1208316" cy="391886"/>
-              </a:xfrm>
-            </p:grpSpPr>
-            <p:grpSp>
-              <p:nvGrpSpPr>
-                <p:cNvPr id="28" name="群組 27">
-                  <a:extLst>
-                    <a:ext uri="{FF2B5EF4-FFF2-40B4-BE49-F238E27FC236}">
-                      <a16:creationId xmlns:a16="http://schemas.microsoft.com/office/drawing/2014/main" id="{6713BBEF-133C-42B6-9EF9-19ECEAA35D54}"/>
-                    </a:ext>
-                  </a:extLst>
-                </p:cNvPr>
-                <p:cNvGrpSpPr/>
-                <p:nvPr/>
-              </p:nvGrpSpPr>
-              <p:grpSpPr>
-                <a:xfrm>
-                  <a:off x="6313712" y="3418114"/>
-                  <a:ext cx="1197431" cy="0"/>
-                  <a:chOff x="6313712" y="3418114"/>
-                  <a:chExt cx="1197431" cy="0"/>
-                </a:xfrm>
-              </p:grpSpPr>
-              <p:cxnSp>
-                <p:nvCxnSpPr>
-                  <p:cNvPr id="30" name="直線接點 29">
-                    <a:extLst>
-                      <a:ext uri="{FF2B5EF4-FFF2-40B4-BE49-F238E27FC236}">
-                        <a16:creationId xmlns:a16="http://schemas.microsoft.com/office/drawing/2014/main" id="{0C199CDF-EC2F-4D91-8798-AC4981F3E150}"/>
-                      </a:ext>
-                    </a:extLst>
-                  </p:cNvPr>
-                  <p:cNvCxnSpPr>
-                    <a:cxnSpLocks/>
-                  </p:cNvCxnSpPr>
-                  <p:nvPr/>
-                </p:nvCxnSpPr>
-                <p:spPr>
-                  <a:xfrm>
-                    <a:off x="6313712" y="3418114"/>
-                    <a:ext cx="489858" cy="0"/>
-                  </a:xfrm>
-                  <a:prstGeom prst="line">
-                    <a:avLst/>
-                  </a:prstGeom>
-                  <a:ln w="63500"/>
-                </p:spPr>
-                <p:style>
-                  <a:lnRef idx="1">
-                    <a:schemeClr val="accent1"/>
-                  </a:lnRef>
-                  <a:fillRef idx="0">
-                    <a:schemeClr val="accent1"/>
-                  </a:fillRef>
-                  <a:effectRef idx="0">
-                    <a:schemeClr val="accent1"/>
-                  </a:effectRef>
-                  <a:fontRef idx="minor">
-                    <a:schemeClr val="tx1"/>
-                  </a:fontRef>
-                </p:style>
-              </p:cxnSp>
-              <p:cxnSp>
-                <p:nvCxnSpPr>
-                  <p:cNvPr id="31" name="直線接點 30">
-                    <a:extLst>
-                      <a:ext uri="{FF2B5EF4-FFF2-40B4-BE49-F238E27FC236}">
-                        <a16:creationId xmlns:a16="http://schemas.microsoft.com/office/drawing/2014/main" id="{60478FBE-487C-40F4-AB7B-83420A73DFD2}"/>
-                      </a:ext>
-                    </a:extLst>
-                  </p:cNvPr>
-                  <p:cNvCxnSpPr>
-                    <a:cxnSpLocks/>
-                  </p:cNvCxnSpPr>
-                  <p:nvPr/>
-                </p:nvCxnSpPr>
-                <p:spPr>
-                  <a:xfrm>
-                    <a:off x="7021285" y="3418114"/>
-                    <a:ext cx="489858" cy="0"/>
-                  </a:xfrm>
-                  <a:prstGeom prst="line">
-                    <a:avLst/>
-                  </a:prstGeom>
-                  <a:ln w="63500"/>
-                </p:spPr>
-                <p:style>
-                  <a:lnRef idx="1">
-                    <a:schemeClr val="accent1"/>
-                  </a:lnRef>
-                  <a:fillRef idx="0">
-                    <a:schemeClr val="accent1"/>
-                  </a:fillRef>
-                  <a:effectRef idx="0">
-                    <a:schemeClr val="accent1"/>
-                  </a:effectRef>
-                  <a:fontRef idx="minor">
-                    <a:schemeClr val="tx1"/>
-                  </a:fontRef>
-                </p:style>
-              </p:cxnSp>
-            </p:grpSp>
-            <p:cxnSp>
-              <p:nvCxnSpPr>
-                <p:cNvPr id="29" name="直線接點 28">
-                  <a:extLst>
-                    <a:ext uri="{FF2B5EF4-FFF2-40B4-BE49-F238E27FC236}">
-                      <a16:creationId xmlns:a16="http://schemas.microsoft.com/office/drawing/2014/main" id="{F348105A-F68E-410A-8620-A6B34CDDA63A}"/>
-                    </a:ext>
-                  </a:extLst>
-                </p:cNvPr>
-                <p:cNvCxnSpPr/>
-                <p:nvPr/>
-              </p:nvCxnSpPr>
-              <p:spPr>
-                <a:xfrm>
-                  <a:off x="6324598" y="3810000"/>
-                  <a:ext cx="1197430" cy="0"/>
-                </a:xfrm>
-                <a:prstGeom prst="line">
-                  <a:avLst/>
-                </a:prstGeom>
-                <a:ln w="63500"/>
-              </p:spPr>
-              <p:style>
-                <a:lnRef idx="1">
-                  <a:schemeClr val="accent1"/>
-                </a:lnRef>
-                <a:fillRef idx="0">
-                  <a:schemeClr val="accent1"/>
-                </a:fillRef>
-                <a:effectRef idx="0">
-                  <a:schemeClr val="accent1"/>
-                </a:effectRef>
-                <a:fontRef idx="minor">
-                  <a:schemeClr val="tx1"/>
-                </a:fontRef>
-              </p:style>
-            </p:cxnSp>
-          </p:grpSp>
-        </p:grpSp>
-        <p:grpSp>
-          <p:nvGrpSpPr>
-            <p:cNvPr id="34" name="群組 33">
-              <a:extLst>
-                <a:ext uri="{FF2B5EF4-FFF2-40B4-BE49-F238E27FC236}">
-                  <a16:creationId xmlns:a16="http://schemas.microsoft.com/office/drawing/2014/main" id="{060D1575-7C65-4D60-9703-2701716D41E4}"/>
-                </a:ext>
-              </a:extLst>
-            </p:cNvPr>
-            <p:cNvGrpSpPr/>
-            <p:nvPr/>
-          </p:nvGrpSpPr>
-          <p:grpSpPr>
-            <a:xfrm rot="2700000">
-              <a:off x="7409198" y="1409435"/>
-              <a:ext cx="812268" cy="548830"/>
-              <a:chOff x="5204142" y="1055913"/>
-              <a:chExt cx="1208315" cy="816429"/>
-            </a:xfrm>
-          </p:grpSpPr>
-          <p:grpSp>
-            <p:nvGrpSpPr>
-              <p:cNvPr id="35" name="群組 34">
-                <a:extLst>
-                  <a:ext uri="{FF2B5EF4-FFF2-40B4-BE49-F238E27FC236}">
-                    <a16:creationId xmlns:a16="http://schemas.microsoft.com/office/drawing/2014/main" id="{A9F53B24-7984-4559-B14B-9CED8084D9EF}"/>
-                  </a:ext>
-                </a:extLst>
-              </p:cNvPr>
-              <p:cNvGrpSpPr/>
-              <p:nvPr/>
-            </p:nvGrpSpPr>
-            <p:grpSpPr>
-              <a:xfrm>
-                <a:off x="5204142" y="1443945"/>
-                <a:ext cx="1208315" cy="428397"/>
-                <a:chOff x="4572002" y="3392488"/>
-                <a:chExt cx="1208315" cy="428397"/>
-              </a:xfrm>
-            </p:grpSpPr>
-            <p:grpSp>
-              <p:nvGrpSpPr>
-                <p:cNvPr id="37" name="群組 36">
-                  <a:extLst>
-                    <a:ext uri="{FF2B5EF4-FFF2-40B4-BE49-F238E27FC236}">
-                      <a16:creationId xmlns:a16="http://schemas.microsoft.com/office/drawing/2014/main" id="{2181B44B-2B3F-4D0A-931F-61C806536722}"/>
-                    </a:ext>
-                  </a:extLst>
-                </p:cNvPr>
-                <p:cNvGrpSpPr/>
-                <p:nvPr/>
-              </p:nvGrpSpPr>
-              <p:grpSpPr>
-                <a:xfrm>
-                  <a:off x="4582886" y="3820885"/>
-                  <a:ext cx="1197431" cy="0"/>
-                  <a:chOff x="6313712" y="3418114"/>
-                  <a:chExt cx="1197431" cy="0"/>
-                </a:xfrm>
-              </p:grpSpPr>
-              <p:cxnSp>
-                <p:nvCxnSpPr>
-                  <p:cNvPr id="39" name="直線接點 38">
-                    <a:extLst>
-                      <a:ext uri="{FF2B5EF4-FFF2-40B4-BE49-F238E27FC236}">
-                        <a16:creationId xmlns:a16="http://schemas.microsoft.com/office/drawing/2014/main" id="{46C20F95-510C-44DD-88E7-58D3EFD7F6C2}"/>
-                      </a:ext>
-                    </a:extLst>
-                  </p:cNvPr>
-                  <p:cNvCxnSpPr>
-                    <a:cxnSpLocks/>
-                  </p:cNvCxnSpPr>
-                  <p:nvPr/>
-                </p:nvCxnSpPr>
-                <p:spPr>
-                  <a:xfrm>
-                    <a:off x="6313712" y="3418114"/>
-                    <a:ext cx="489858" cy="0"/>
-                  </a:xfrm>
-                  <a:prstGeom prst="line">
-                    <a:avLst/>
-                  </a:prstGeom>
-                  <a:ln w="63500"/>
-                </p:spPr>
-                <p:style>
-                  <a:lnRef idx="1">
-                    <a:schemeClr val="accent1"/>
-                  </a:lnRef>
-                  <a:fillRef idx="0">
-                    <a:schemeClr val="accent1"/>
-                  </a:fillRef>
-                  <a:effectRef idx="0">
-                    <a:schemeClr val="accent1"/>
-                  </a:effectRef>
-                  <a:fontRef idx="minor">
-                    <a:schemeClr val="tx1"/>
-                  </a:fontRef>
-                </p:style>
-              </p:cxnSp>
-              <p:cxnSp>
-                <p:nvCxnSpPr>
-                  <p:cNvPr id="40" name="直線接點 39">
-                    <a:extLst>
-                      <a:ext uri="{FF2B5EF4-FFF2-40B4-BE49-F238E27FC236}">
-                        <a16:creationId xmlns:a16="http://schemas.microsoft.com/office/drawing/2014/main" id="{0368F8FA-2BB2-4ADC-9868-932540339F5C}"/>
-                      </a:ext>
-                    </a:extLst>
-                  </p:cNvPr>
-                  <p:cNvCxnSpPr>
-                    <a:cxnSpLocks/>
-                  </p:cNvCxnSpPr>
-                  <p:nvPr/>
-                </p:nvCxnSpPr>
-                <p:spPr>
-                  <a:xfrm>
-                    <a:off x="7021285" y="3418114"/>
-                    <a:ext cx="489858" cy="0"/>
-                  </a:xfrm>
-                  <a:prstGeom prst="line">
-                    <a:avLst/>
-                  </a:prstGeom>
-                  <a:ln w="63500"/>
-                </p:spPr>
-                <p:style>
-                  <a:lnRef idx="1">
-                    <a:schemeClr val="accent1"/>
-                  </a:lnRef>
-                  <a:fillRef idx="0">
-                    <a:schemeClr val="accent1"/>
-                  </a:fillRef>
-                  <a:effectRef idx="0">
-                    <a:schemeClr val="accent1"/>
-                  </a:effectRef>
-                  <a:fontRef idx="minor">
-                    <a:schemeClr val="tx1"/>
-                  </a:fontRef>
-                </p:style>
-              </p:cxnSp>
-            </p:grpSp>
-            <p:cxnSp>
-              <p:nvCxnSpPr>
-                <p:cNvPr id="38" name="直線接點 37">
-                  <a:extLst>
-                    <a:ext uri="{FF2B5EF4-FFF2-40B4-BE49-F238E27FC236}">
-                      <a16:creationId xmlns:a16="http://schemas.microsoft.com/office/drawing/2014/main" id="{E41C00D8-3941-4F39-8E91-CE795B722298}"/>
-                    </a:ext>
-                  </a:extLst>
-                </p:cNvPr>
-                <p:cNvCxnSpPr/>
-                <p:nvPr/>
-              </p:nvCxnSpPr>
-              <p:spPr>
-                <a:xfrm>
-                  <a:off x="4572002" y="3392488"/>
-                  <a:ext cx="1197430" cy="0"/>
-                </a:xfrm>
-                <a:prstGeom prst="line">
-                  <a:avLst/>
-                </a:prstGeom>
-                <a:ln w="63500"/>
-              </p:spPr>
-              <p:style>
-                <a:lnRef idx="1">
-                  <a:schemeClr val="accent1"/>
-                </a:lnRef>
-                <a:fillRef idx="0">
-                  <a:schemeClr val="accent1"/>
-                </a:fillRef>
-                <a:effectRef idx="0">
-                  <a:schemeClr val="accent1"/>
-                </a:effectRef>
-                <a:fontRef idx="minor">
-                  <a:schemeClr val="tx1"/>
-                </a:fontRef>
-              </p:style>
-            </p:cxnSp>
-          </p:grpSp>
-          <p:cxnSp>
-            <p:nvCxnSpPr>
-              <p:cNvPr id="36" name="直線接點 35">
-                <a:extLst>
-                  <a:ext uri="{FF2B5EF4-FFF2-40B4-BE49-F238E27FC236}">
-                    <a16:creationId xmlns:a16="http://schemas.microsoft.com/office/drawing/2014/main" id="{2ADAA702-7C43-4F2D-B01A-E8E2B5386394}"/>
-                  </a:ext>
-                </a:extLst>
-              </p:cNvPr>
-              <p:cNvCxnSpPr/>
-              <p:nvPr/>
-            </p:nvCxnSpPr>
-            <p:spPr>
-              <a:xfrm>
-                <a:off x="5208418" y="1055913"/>
-                <a:ext cx="1197430" cy="0"/>
-              </a:xfrm>
-              <a:prstGeom prst="line">
-                <a:avLst/>
-              </a:prstGeom>
-              <a:ln w="63500"/>
-            </p:spPr>
-            <p:style>
-              <a:lnRef idx="1">
-                <a:schemeClr val="accent1"/>
-              </a:lnRef>
-              <a:fillRef idx="0">
-                <a:schemeClr val="accent1"/>
-              </a:fillRef>
-              <a:effectRef idx="0">
-                <a:schemeClr val="accent1"/>
-              </a:effectRef>
-              <a:fontRef idx="minor">
-                <a:schemeClr val="tx1"/>
-              </a:fontRef>
-            </p:style>
-          </p:cxnSp>
-        </p:grpSp>
-        <p:grpSp>
-          <p:nvGrpSpPr>
-            <p:cNvPr id="41" name="群組 40">
-              <a:extLst>
-                <a:ext uri="{FF2B5EF4-FFF2-40B4-BE49-F238E27FC236}">
-                  <a16:creationId xmlns:a16="http://schemas.microsoft.com/office/drawing/2014/main" id="{A91EA2D6-E77F-4F64-8C03-B2C220B81F20}"/>
-                </a:ext>
-              </a:extLst>
-            </p:cNvPr>
-            <p:cNvGrpSpPr/>
-            <p:nvPr/>
-          </p:nvGrpSpPr>
-          <p:grpSpPr>
-            <a:xfrm rot="5400000">
-              <a:off x="8242979" y="3123914"/>
-              <a:ext cx="908994" cy="621441"/>
-              <a:chOff x="3807788" y="1045026"/>
-              <a:chExt cx="1210131" cy="827316"/>
-            </a:xfrm>
-          </p:grpSpPr>
-          <p:grpSp>
-            <p:nvGrpSpPr>
-              <p:cNvPr id="42" name="群組 41">
-                <a:extLst>
-                  <a:ext uri="{FF2B5EF4-FFF2-40B4-BE49-F238E27FC236}">
-                    <a16:creationId xmlns:a16="http://schemas.microsoft.com/office/drawing/2014/main" id="{044CCFEA-C825-4AD0-B8E0-E3A4ACA70988}"/>
-                  </a:ext>
-                </a:extLst>
-              </p:cNvPr>
-              <p:cNvGrpSpPr/>
-              <p:nvPr/>
-            </p:nvGrpSpPr>
-            <p:grpSpPr>
-              <a:xfrm>
-                <a:off x="3809604" y="1443945"/>
-                <a:ext cx="1208315" cy="428397"/>
-                <a:chOff x="4572002" y="3392488"/>
-                <a:chExt cx="1208315" cy="428397"/>
-              </a:xfrm>
-            </p:grpSpPr>
-            <p:grpSp>
-              <p:nvGrpSpPr>
-                <p:cNvPr id="46" name="群組 45">
-                  <a:extLst>
-                    <a:ext uri="{FF2B5EF4-FFF2-40B4-BE49-F238E27FC236}">
-                      <a16:creationId xmlns:a16="http://schemas.microsoft.com/office/drawing/2014/main" id="{57BBC2FE-4D4C-4A0D-B7AF-1B501BB72606}"/>
-                    </a:ext>
-                  </a:extLst>
-                </p:cNvPr>
-                <p:cNvGrpSpPr/>
-                <p:nvPr/>
-              </p:nvGrpSpPr>
-              <p:grpSpPr>
-                <a:xfrm>
-                  <a:off x="4582886" y="3820885"/>
-                  <a:ext cx="1197431" cy="0"/>
-                  <a:chOff x="6313712" y="3418114"/>
-                  <a:chExt cx="1197431" cy="0"/>
-                </a:xfrm>
-              </p:grpSpPr>
-              <p:cxnSp>
-                <p:nvCxnSpPr>
-                  <p:cNvPr id="48" name="直線接點 47">
-                    <a:extLst>
-                      <a:ext uri="{FF2B5EF4-FFF2-40B4-BE49-F238E27FC236}">
-                        <a16:creationId xmlns:a16="http://schemas.microsoft.com/office/drawing/2014/main" id="{A44CCF79-B2BD-4BC7-A3CF-F91E6899319E}"/>
-                      </a:ext>
-                    </a:extLst>
-                  </p:cNvPr>
-                  <p:cNvCxnSpPr>
-                    <a:cxnSpLocks/>
-                  </p:cNvCxnSpPr>
-                  <p:nvPr/>
-                </p:nvCxnSpPr>
-                <p:spPr>
-                  <a:xfrm>
-                    <a:off x="6313712" y="3418114"/>
-                    <a:ext cx="489858" cy="0"/>
-                  </a:xfrm>
-                  <a:prstGeom prst="line">
-                    <a:avLst/>
-                  </a:prstGeom>
-                  <a:ln w="63500"/>
-                </p:spPr>
-                <p:style>
-                  <a:lnRef idx="1">
-                    <a:schemeClr val="accent1"/>
-                  </a:lnRef>
-                  <a:fillRef idx="0">
-                    <a:schemeClr val="accent1"/>
-                  </a:fillRef>
-                  <a:effectRef idx="0">
-                    <a:schemeClr val="accent1"/>
-                  </a:effectRef>
-                  <a:fontRef idx="minor">
-                    <a:schemeClr val="tx1"/>
-                  </a:fontRef>
-                </p:style>
-              </p:cxnSp>
-              <p:cxnSp>
-                <p:nvCxnSpPr>
-                  <p:cNvPr id="49" name="直線接點 48">
-                    <a:extLst>
-                      <a:ext uri="{FF2B5EF4-FFF2-40B4-BE49-F238E27FC236}">
-                        <a16:creationId xmlns:a16="http://schemas.microsoft.com/office/drawing/2014/main" id="{DF6D834A-4D3E-4EBE-B69B-3812DF53EAA6}"/>
-                      </a:ext>
-                    </a:extLst>
-                  </p:cNvPr>
-                  <p:cNvCxnSpPr>
-                    <a:cxnSpLocks/>
-                  </p:cNvCxnSpPr>
-                  <p:nvPr/>
-                </p:nvCxnSpPr>
-                <p:spPr>
-                  <a:xfrm>
-                    <a:off x="7021285" y="3418114"/>
-                    <a:ext cx="489858" cy="0"/>
-                  </a:xfrm>
-                  <a:prstGeom prst="line">
-                    <a:avLst/>
-                  </a:prstGeom>
-                  <a:ln w="63500"/>
-                </p:spPr>
-                <p:style>
-                  <a:lnRef idx="1">
-                    <a:schemeClr val="accent1"/>
-                  </a:lnRef>
-                  <a:fillRef idx="0">
-                    <a:schemeClr val="accent1"/>
-                  </a:fillRef>
-                  <a:effectRef idx="0">
-                    <a:schemeClr val="accent1"/>
-                  </a:effectRef>
-                  <a:fontRef idx="minor">
-                    <a:schemeClr val="tx1"/>
-                  </a:fontRef>
-                </p:style>
-              </p:cxnSp>
-            </p:grpSp>
-            <p:cxnSp>
-              <p:nvCxnSpPr>
-                <p:cNvPr id="47" name="直線接點 46">
-                  <a:extLst>
-                    <a:ext uri="{FF2B5EF4-FFF2-40B4-BE49-F238E27FC236}">
-                      <a16:creationId xmlns:a16="http://schemas.microsoft.com/office/drawing/2014/main" id="{929D6695-DB28-4B52-B8B4-0BC687774E3C}"/>
-                    </a:ext>
-                  </a:extLst>
-                </p:cNvPr>
-                <p:cNvCxnSpPr/>
-                <p:nvPr/>
-              </p:nvCxnSpPr>
-              <p:spPr>
-                <a:xfrm>
-                  <a:off x="4572002" y="3392488"/>
-                  <a:ext cx="1197430" cy="0"/>
-                </a:xfrm>
-                <a:prstGeom prst="line">
-                  <a:avLst/>
-                </a:prstGeom>
-                <a:ln w="63500"/>
-              </p:spPr>
-              <p:style>
-                <a:lnRef idx="1">
-                  <a:schemeClr val="accent1"/>
-                </a:lnRef>
-                <a:fillRef idx="0">
-                  <a:schemeClr val="accent1"/>
-                </a:fillRef>
-                <a:effectRef idx="0">
-                  <a:schemeClr val="accent1"/>
-                </a:effectRef>
-                <a:fontRef idx="minor">
-                  <a:schemeClr val="tx1"/>
-                </a:fontRef>
-              </p:style>
-            </p:cxnSp>
-          </p:grpSp>
-          <p:grpSp>
-            <p:nvGrpSpPr>
-              <p:cNvPr id="43" name="群組 42">
-                <a:extLst>
-                  <a:ext uri="{FF2B5EF4-FFF2-40B4-BE49-F238E27FC236}">
-                    <a16:creationId xmlns:a16="http://schemas.microsoft.com/office/drawing/2014/main" id="{BD57C951-73C5-4BBE-AB4B-8380672EBA67}"/>
-                  </a:ext>
-                </a:extLst>
-              </p:cNvPr>
-              <p:cNvGrpSpPr/>
-              <p:nvPr/>
-            </p:nvGrpSpPr>
-            <p:grpSpPr>
-              <a:xfrm>
-                <a:off x="3807788" y="1045026"/>
+                <a:off x="2405740" y="3820885"/>
                 <a:ext cx="1197431" cy="0"/>
                 <a:chOff x="6313712" y="3418114"/>
                 <a:chExt cx="1197431" cy="0"/>
@@ -8643,10 +8862,10 @@
             </p:grpSpPr>
             <p:cxnSp>
               <p:nvCxnSpPr>
-                <p:cNvPr id="44" name="直線接點 43">
+                <p:cNvPr id="55" name="直線接點 54">
                   <a:extLst>
                     <a:ext uri="{FF2B5EF4-FFF2-40B4-BE49-F238E27FC236}">
-                      <a16:creationId xmlns:a16="http://schemas.microsoft.com/office/drawing/2014/main" id="{2CF459B2-542D-4D32-9F7D-86B21F7AB74E}"/>
+                      <a16:creationId xmlns:a16="http://schemas.microsoft.com/office/drawing/2014/main" id="{F4071D78-8CB1-4227-8AE5-DFC4E0114BC9}"/>
                     </a:ext>
                   </a:extLst>
                 </p:cNvPr>
@@ -8682,10 +8901,10 @@
             </p:cxnSp>
             <p:cxnSp>
               <p:nvCxnSpPr>
-                <p:cNvPr id="45" name="直線接點 44">
+                <p:cNvPr id="56" name="直線接點 55">
                   <a:extLst>
                     <a:ext uri="{FF2B5EF4-FFF2-40B4-BE49-F238E27FC236}">
-                      <a16:creationId xmlns:a16="http://schemas.microsoft.com/office/drawing/2014/main" id="{CD78B097-DED1-4532-A334-A06B3DF41A34}"/>
+                      <a16:creationId xmlns:a16="http://schemas.microsoft.com/office/drawing/2014/main" id="{63C4133A-45CD-4335-AC46-7FA7B04A819A}"/>
                     </a:ext>
                   </a:extLst>
                 </p:cNvPr>
@@ -8721,289 +8940,70 @@
             </p:cxnSp>
           </p:grpSp>
         </p:grpSp>
-        <p:grpSp>
-          <p:nvGrpSpPr>
-            <p:cNvPr id="50" name="群組 49">
+        <p:cxnSp>
+          <p:nvCxnSpPr>
+            <p:cNvPr id="52" name="直線接點 51">
               <a:extLst>
                 <a:ext uri="{FF2B5EF4-FFF2-40B4-BE49-F238E27FC236}">
-                  <a16:creationId xmlns:a16="http://schemas.microsoft.com/office/drawing/2014/main" id="{3DB13D15-EEFB-448E-BA38-6B7E51058500}"/>
+                  <a16:creationId xmlns:a16="http://schemas.microsoft.com/office/drawing/2014/main" id="{37EBBA93-CB8F-4825-8D3F-3FB40067D841}"/>
                 </a:ext>
               </a:extLst>
             </p:cNvPr>
-            <p:cNvGrpSpPr/>
+            <p:cNvCxnSpPr/>
             <p:nvPr/>
-          </p:nvGrpSpPr>
-          <p:grpSpPr>
-            <a:xfrm rot="8100000">
-              <a:off x="7389863" y="4906157"/>
-              <a:ext cx="874697" cy="572672"/>
-              <a:chOff x="2415064" y="1055912"/>
-              <a:chExt cx="1213759" cy="794659"/>
+          </p:nvCxnSpPr>
+          <p:spPr>
+            <a:xfrm>
+              <a:off x="2431393" y="1055912"/>
+              <a:ext cx="1197430" cy="0"/>
             </a:xfrm>
-          </p:grpSpPr>
-          <p:grpSp>
-            <p:nvGrpSpPr>
-              <p:cNvPr id="51" name="群組 50">
-                <a:extLst>
-                  <a:ext uri="{FF2B5EF4-FFF2-40B4-BE49-F238E27FC236}">
-                    <a16:creationId xmlns:a16="http://schemas.microsoft.com/office/drawing/2014/main" id="{80C5EDB5-3748-4B81-87D9-908D1E7A3486}"/>
-                  </a:ext>
-                </a:extLst>
-              </p:cNvPr>
-              <p:cNvGrpSpPr/>
-              <p:nvPr/>
-            </p:nvGrpSpPr>
-            <p:grpSpPr>
-              <a:xfrm>
-                <a:off x="2415064" y="1458686"/>
-                <a:ext cx="1208317" cy="391885"/>
-                <a:chOff x="2405740" y="3429000"/>
-                <a:chExt cx="1208317" cy="391885"/>
-              </a:xfrm>
-            </p:grpSpPr>
-            <p:grpSp>
-              <p:nvGrpSpPr>
-                <p:cNvPr id="53" name="群組 52">
-                  <a:extLst>
-                    <a:ext uri="{FF2B5EF4-FFF2-40B4-BE49-F238E27FC236}">
-                      <a16:creationId xmlns:a16="http://schemas.microsoft.com/office/drawing/2014/main" id="{FD839B8F-BB95-4458-92C1-60BF8C2F9EEA}"/>
-                    </a:ext>
-                  </a:extLst>
-                </p:cNvPr>
-                <p:cNvGrpSpPr/>
-                <p:nvPr/>
-              </p:nvGrpSpPr>
-              <p:grpSpPr>
-                <a:xfrm>
-                  <a:off x="2416626" y="3429000"/>
-                  <a:ext cx="1197431" cy="0"/>
-                  <a:chOff x="6313712" y="3418114"/>
-                  <a:chExt cx="1197431" cy="0"/>
-                </a:xfrm>
-              </p:grpSpPr>
-              <p:cxnSp>
-                <p:nvCxnSpPr>
-                  <p:cNvPr id="57" name="直線接點 56">
-                    <a:extLst>
-                      <a:ext uri="{FF2B5EF4-FFF2-40B4-BE49-F238E27FC236}">
-                        <a16:creationId xmlns:a16="http://schemas.microsoft.com/office/drawing/2014/main" id="{5CF58FBD-0B5B-4FE8-A695-F277265E30FA}"/>
-                      </a:ext>
-                    </a:extLst>
-                  </p:cNvPr>
-                  <p:cNvCxnSpPr>
-                    <a:cxnSpLocks/>
-                  </p:cNvCxnSpPr>
-                  <p:nvPr/>
-                </p:nvCxnSpPr>
-                <p:spPr>
-                  <a:xfrm>
-                    <a:off x="6313712" y="3418114"/>
-                    <a:ext cx="489858" cy="0"/>
-                  </a:xfrm>
-                  <a:prstGeom prst="line">
-                    <a:avLst/>
-                  </a:prstGeom>
-                  <a:ln w="63500"/>
-                </p:spPr>
-                <p:style>
-                  <a:lnRef idx="1">
-                    <a:schemeClr val="accent1"/>
-                  </a:lnRef>
-                  <a:fillRef idx="0">
-                    <a:schemeClr val="accent1"/>
-                  </a:fillRef>
-                  <a:effectRef idx="0">
-                    <a:schemeClr val="accent1"/>
-                  </a:effectRef>
-                  <a:fontRef idx="minor">
-                    <a:schemeClr val="tx1"/>
-                  </a:fontRef>
-                </p:style>
-              </p:cxnSp>
-              <p:cxnSp>
-                <p:nvCxnSpPr>
-                  <p:cNvPr id="58" name="直線接點 57">
-                    <a:extLst>
-                      <a:ext uri="{FF2B5EF4-FFF2-40B4-BE49-F238E27FC236}">
-                        <a16:creationId xmlns:a16="http://schemas.microsoft.com/office/drawing/2014/main" id="{6B0EFD84-D1D8-4DBB-832F-36B81E140EF5}"/>
-                      </a:ext>
-                    </a:extLst>
-                  </p:cNvPr>
-                  <p:cNvCxnSpPr>
-                    <a:cxnSpLocks/>
-                  </p:cNvCxnSpPr>
-                  <p:nvPr/>
-                </p:nvCxnSpPr>
-                <p:spPr>
-                  <a:xfrm>
-                    <a:off x="7021285" y="3418114"/>
-                    <a:ext cx="489858" cy="0"/>
-                  </a:xfrm>
-                  <a:prstGeom prst="line">
-                    <a:avLst/>
-                  </a:prstGeom>
-                  <a:ln w="63500"/>
-                </p:spPr>
-                <p:style>
-                  <a:lnRef idx="1">
-                    <a:schemeClr val="accent1"/>
-                  </a:lnRef>
-                  <a:fillRef idx="0">
-                    <a:schemeClr val="accent1"/>
-                  </a:fillRef>
-                  <a:effectRef idx="0">
-                    <a:schemeClr val="accent1"/>
-                  </a:effectRef>
-                  <a:fontRef idx="minor">
-                    <a:schemeClr val="tx1"/>
-                  </a:fontRef>
-                </p:style>
-              </p:cxnSp>
-            </p:grpSp>
-            <p:grpSp>
-              <p:nvGrpSpPr>
-                <p:cNvPr id="54" name="群組 53">
-                  <a:extLst>
-                    <a:ext uri="{FF2B5EF4-FFF2-40B4-BE49-F238E27FC236}">
-                      <a16:creationId xmlns:a16="http://schemas.microsoft.com/office/drawing/2014/main" id="{C7A5923D-A5EE-4CDD-AE8A-29BEC4A8C254}"/>
-                    </a:ext>
-                  </a:extLst>
-                </p:cNvPr>
-                <p:cNvGrpSpPr/>
-                <p:nvPr/>
-              </p:nvGrpSpPr>
-              <p:grpSpPr>
-                <a:xfrm>
-                  <a:off x="2405740" y="3820885"/>
-                  <a:ext cx="1197431" cy="0"/>
-                  <a:chOff x="6313712" y="3418114"/>
-                  <a:chExt cx="1197431" cy="0"/>
-                </a:xfrm>
-              </p:grpSpPr>
-              <p:cxnSp>
-                <p:nvCxnSpPr>
-                  <p:cNvPr id="55" name="直線接點 54">
-                    <a:extLst>
-                      <a:ext uri="{FF2B5EF4-FFF2-40B4-BE49-F238E27FC236}">
-                        <a16:creationId xmlns:a16="http://schemas.microsoft.com/office/drawing/2014/main" id="{F4071D78-8CB1-4227-8AE5-DFC4E0114BC9}"/>
-                      </a:ext>
-                    </a:extLst>
-                  </p:cNvPr>
-                  <p:cNvCxnSpPr>
-                    <a:cxnSpLocks/>
-                  </p:cNvCxnSpPr>
-                  <p:nvPr/>
-                </p:nvCxnSpPr>
-                <p:spPr>
-                  <a:xfrm>
-                    <a:off x="6313712" y="3418114"/>
-                    <a:ext cx="489858" cy="0"/>
-                  </a:xfrm>
-                  <a:prstGeom prst="line">
-                    <a:avLst/>
-                  </a:prstGeom>
-                  <a:ln w="63500"/>
-                </p:spPr>
-                <p:style>
-                  <a:lnRef idx="1">
-                    <a:schemeClr val="accent1"/>
-                  </a:lnRef>
-                  <a:fillRef idx="0">
-                    <a:schemeClr val="accent1"/>
-                  </a:fillRef>
-                  <a:effectRef idx="0">
-                    <a:schemeClr val="accent1"/>
-                  </a:effectRef>
-                  <a:fontRef idx="minor">
-                    <a:schemeClr val="tx1"/>
-                  </a:fontRef>
-                </p:style>
-              </p:cxnSp>
-              <p:cxnSp>
-                <p:nvCxnSpPr>
-                  <p:cNvPr id="56" name="直線接點 55">
-                    <a:extLst>
-                      <a:ext uri="{FF2B5EF4-FFF2-40B4-BE49-F238E27FC236}">
-                        <a16:creationId xmlns:a16="http://schemas.microsoft.com/office/drawing/2014/main" id="{63C4133A-45CD-4335-AC46-7FA7B04A819A}"/>
-                      </a:ext>
-                    </a:extLst>
-                  </p:cNvPr>
-                  <p:cNvCxnSpPr>
-                    <a:cxnSpLocks/>
-                  </p:cNvCxnSpPr>
-                  <p:nvPr/>
-                </p:nvCxnSpPr>
-                <p:spPr>
-                  <a:xfrm>
-                    <a:off x="7021285" y="3418114"/>
-                    <a:ext cx="489858" cy="0"/>
-                  </a:xfrm>
-                  <a:prstGeom prst="line">
-                    <a:avLst/>
-                  </a:prstGeom>
-                  <a:ln w="63500"/>
-                </p:spPr>
-                <p:style>
-                  <a:lnRef idx="1">
-                    <a:schemeClr val="accent1"/>
-                  </a:lnRef>
-                  <a:fillRef idx="0">
-                    <a:schemeClr val="accent1"/>
-                  </a:fillRef>
-                  <a:effectRef idx="0">
-                    <a:schemeClr val="accent1"/>
-                  </a:effectRef>
-                  <a:fontRef idx="minor">
-                    <a:schemeClr val="tx1"/>
-                  </a:fontRef>
-                </p:style>
-              </p:cxnSp>
-            </p:grpSp>
-          </p:grpSp>
-          <p:cxnSp>
-            <p:nvCxnSpPr>
-              <p:cNvPr id="52" name="直線接點 51">
-                <a:extLst>
-                  <a:ext uri="{FF2B5EF4-FFF2-40B4-BE49-F238E27FC236}">
-                    <a16:creationId xmlns:a16="http://schemas.microsoft.com/office/drawing/2014/main" id="{37EBBA93-CB8F-4825-8D3F-3FB40067D841}"/>
-                  </a:ext>
-                </a:extLst>
-              </p:cNvPr>
-              <p:cNvCxnSpPr/>
-              <p:nvPr/>
-            </p:nvCxnSpPr>
-            <p:spPr>
-              <a:xfrm>
-                <a:off x="2431393" y="1055912"/>
-                <a:ext cx="1197430" cy="0"/>
-              </a:xfrm>
-              <a:prstGeom prst="line">
-                <a:avLst/>
-              </a:prstGeom>
-              <a:ln w="63500"/>
-            </p:spPr>
-            <p:style>
-              <a:lnRef idx="1">
-                <a:schemeClr val="accent1"/>
-              </a:lnRef>
-              <a:fillRef idx="0">
-                <a:schemeClr val="accent1"/>
-              </a:fillRef>
-              <a:effectRef idx="0">
-                <a:schemeClr val="accent1"/>
-              </a:effectRef>
-              <a:fontRef idx="minor">
-                <a:schemeClr val="tx1"/>
-              </a:fontRef>
-            </p:style>
-          </p:cxnSp>
-        </p:grpSp>
+            <a:prstGeom prst="line">
+              <a:avLst/>
+            </a:prstGeom>
+            <a:ln w="63500"/>
+          </p:spPr>
+          <p:style>
+            <a:lnRef idx="1">
+              <a:schemeClr val="accent1"/>
+            </a:lnRef>
+            <a:fillRef idx="0">
+              <a:schemeClr val="accent1"/>
+            </a:fillRef>
+            <a:effectRef idx="0">
+              <a:schemeClr val="accent1"/>
+            </a:effectRef>
+            <a:fontRef idx="minor">
+              <a:schemeClr val="tx1"/>
+            </a:fontRef>
+          </p:style>
+        </p:cxnSp>
+      </p:grpSp>
+      <p:grpSp>
+        <p:nvGrpSpPr>
+          <p:cNvPr id="70" name="群組 69">
+            <a:extLst>
+              <a:ext uri="{FF2B5EF4-FFF2-40B4-BE49-F238E27FC236}">
+                <a16:creationId xmlns:a16="http://schemas.microsoft.com/office/drawing/2014/main" id="{AC21F797-8E7C-468F-9F04-65983E74B7A3}"/>
+              </a:ext>
+            </a:extLst>
+          </p:cNvPr>
+          <p:cNvGrpSpPr/>
+          <p:nvPr/>
+        </p:nvGrpSpPr>
+        <p:grpSpPr>
+          <a:xfrm>
+            <a:off x="5625148" y="5509912"/>
+            <a:ext cx="964501" cy="647940"/>
+            <a:chOff x="5625148" y="5509912"/>
+            <a:chExt cx="964501" cy="647940"/>
+          </a:xfrm>
+        </p:grpSpPr>
         <p:grpSp>
           <p:nvGrpSpPr>
-            <p:cNvPr id="70" name="群組 69">
+            <p:cNvPr id="64" name="群組 63">
               <a:extLst>
                 <a:ext uri="{FF2B5EF4-FFF2-40B4-BE49-F238E27FC236}">
-                  <a16:creationId xmlns:a16="http://schemas.microsoft.com/office/drawing/2014/main" id="{AC21F797-8E7C-468F-9F04-65983E74B7A3}"/>
+                  <a16:creationId xmlns:a16="http://schemas.microsoft.com/office/drawing/2014/main" id="{EDEF71EA-DFDE-4FFD-9861-42E365DB71CA}"/>
                 </a:ext>
               </a:extLst>
             </p:cNvPr>
@@ -9012,117 +9012,18 @@
           </p:nvGrpSpPr>
           <p:grpSpPr>
             <a:xfrm>
-              <a:off x="5625148" y="5509912"/>
-              <a:ext cx="964501" cy="647940"/>
-              <a:chOff x="5625148" y="5509912"/>
-              <a:chExt cx="964501" cy="647940"/>
+              <a:off x="5632414" y="5838321"/>
+              <a:ext cx="957235" cy="0"/>
+              <a:chOff x="6313712" y="3418114"/>
+              <a:chExt cx="1197431" cy="0"/>
             </a:xfrm>
           </p:grpSpPr>
-          <p:grpSp>
-            <p:nvGrpSpPr>
-              <p:cNvPr id="64" name="群組 63">
+          <p:cxnSp>
+            <p:nvCxnSpPr>
+              <p:cNvPr id="68" name="直線接點 67">
                 <a:extLst>
                   <a:ext uri="{FF2B5EF4-FFF2-40B4-BE49-F238E27FC236}">
-                    <a16:creationId xmlns:a16="http://schemas.microsoft.com/office/drawing/2014/main" id="{EDEF71EA-DFDE-4FFD-9861-42E365DB71CA}"/>
-                  </a:ext>
-                </a:extLst>
-              </p:cNvPr>
-              <p:cNvGrpSpPr/>
-              <p:nvPr/>
-            </p:nvGrpSpPr>
-            <p:grpSpPr>
-              <a:xfrm>
-                <a:off x="5632414" y="5838321"/>
-                <a:ext cx="957235" cy="0"/>
-                <a:chOff x="6313712" y="3418114"/>
-                <a:chExt cx="1197431" cy="0"/>
-              </a:xfrm>
-            </p:grpSpPr>
-            <p:cxnSp>
-              <p:nvCxnSpPr>
-                <p:cNvPr id="68" name="直線接點 67">
-                  <a:extLst>
-                    <a:ext uri="{FF2B5EF4-FFF2-40B4-BE49-F238E27FC236}">
-                      <a16:creationId xmlns:a16="http://schemas.microsoft.com/office/drawing/2014/main" id="{A7DCCF4B-86DF-4A2E-837D-99AF61B45B73}"/>
-                    </a:ext>
-                  </a:extLst>
-                </p:cNvPr>
-                <p:cNvCxnSpPr>
-                  <a:cxnSpLocks/>
-                </p:cNvCxnSpPr>
-                <p:nvPr/>
-              </p:nvCxnSpPr>
-              <p:spPr>
-                <a:xfrm>
-                  <a:off x="6313712" y="3418114"/>
-                  <a:ext cx="489858" cy="0"/>
-                </a:xfrm>
-                <a:prstGeom prst="line">
-                  <a:avLst/>
-                </a:prstGeom>
-                <a:ln w="63500"/>
-              </p:spPr>
-              <p:style>
-                <a:lnRef idx="1">
-                  <a:schemeClr val="accent1"/>
-                </a:lnRef>
-                <a:fillRef idx="0">
-                  <a:schemeClr val="accent1"/>
-                </a:fillRef>
-                <a:effectRef idx="0">
-                  <a:schemeClr val="accent1"/>
-                </a:effectRef>
-                <a:fontRef idx="minor">
-                  <a:schemeClr val="tx1"/>
-                </a:fontRef>
-              </p:style>
-            </p:cxnSp>
-            <p:cxnSp>
-              <p:nvCxnSpPr>
-                <p:cNvPr id="69" name="直線接點 68">
-                  <a:extLst>
-                    <a:ext uri="{FF2B5EF4-FFF2-40B4-BE49-F238E27FC236}">
-                      <a16:creationId xmlns:a16="http://schemas.microsoft.com/office/drawing/2014/main" id="{8F6C1C28-2C03-47C2-84B3-E3AF754EAFEF}"/>
-                    </a:ext>
-                  </a:extLst>
-                </p:cNvPr>
-                <p:cNvCxnSpPr>
-                  <a:cxnSpLocks/>
-                </p:cNvCxnSpPr>
-                <p:nvPr/>
-              </p:nvCxnSpPr>
-              <p:spPr>
-                <a:xfrm>
-                  <a:off x="7021285" y="3418114"/>
-                  <a:ext cx="489858" cy="0"/>
-                </a:xfrm>
-                <a:prstGeom prst="line">
-                  <a:avLst/>
-                </a:prstGeom>
-                <a:ln w="63500"/>
-              </p:spPr>
-              <p:style>
-                <a:lnRef idx="1">
-                  <a:schemeClr val="accent1"/>
-                </a:lnRef>
-                <a:fillRef idx="0">
-                  <a:schemeClr val="accent1"/>
-                </a:fillRef>
-                <a:effectRef idx="0">
-                  <a:schemeClr val="accent1"/>
-                </a:effectRef>
-                <a:fontRef idx="minor">
-                  <a:schemeClr val="tx1"/>
-                </a:fontRef>
-              </p:style>
-            </p:cxnSp>
-          </p:grpSp>
-          <p:cxnSp>
-            <p:nvCxnSpPr>
-              <p:cNvPr id="66" name="直線接點 65">
-                <a:extLst>
-                  <a:ext uri="{FF2B5EF4-FFF2-40B4-BE49-F238E27FC236}">
-                    <a16:creationId xmlns:a16="http://schemas.microsoft.com/office/drawing/2014/main" id="{5428C353-664F-4DEC-AA4C-81C620EF237A}"/>
+                    <a16:creationId xmlns:a16="http://schemas.microsoft.com/office/drawing/2014/main" id="{A7DCCF4B-86DF-4A2E-837D-99AF61B45B73}"/>
                   </a:ext>
                 </a:extLst>
               </p:cNvPr>
@@ -9133,8 +9034,8 @@
             </p:nvCxnSpPr>
             <p:spPr>
               <a:xfrm>
-                <a:off x="5625148" y="6157852"/>
-                <a:ext cx="391596" cy="0"/>
+                <a:off x="6313712" y="3418114"/>
+                <a:ext cx="489858" cy="0"/>
               </a:xfrm>
               <a:prstGeom prst="line">
                 <a:avLst/>
@@ -9158,10 +9059,10 @@
           </p:cxnSp>
           <p:cxnSp>
             <p:nvCxnSpPr>
-              <p:cNvPr id="67" name="直線接點 66">
+              <p:cNvPr id="69" name="直線接點 68">
                 <a:extLst>
                   <a:ext uri="{FF2B5EF4-FFF2-40B4-BE49-F238E27FC236}">
-                    <a16:creationId xmlns:a16="http://schemas.microsoft.com/office/drawing/2014/main" id="{FAE4EED3-6A58-47A3-A2D0-73D959507B12}"/>
+                    <a16:creationId xmlns:a16="http://schemas.microsoft.com/office/drawing/2014/main" id="{8F6C1C28-2C03-47C2-84B3-E3AF754EAFEF}"/>
                   </a:ext>
                 </a:extLst>
               </p:cNvPr>
@@ -9172,8 +9073,8 @@
             </p:nvCxnSpPr>
             <p:spPr>
               <a:xfrm>
-                <a:off x="6196382" y="6157852"/>
-                <a:ext cx="391596" cy="0"/>
+                <a:off x="7021285" y="3418114"/>
+                <a:ext cx="489858" cy="0"/>
               </a:xfrm>
               <a:prstGeom prst="line">
                 <a:avLst/>
@@ -9195,487 +9096,565 @@
               </a:fontRef>
             </p:style>
           </p:cxnSp>
-          <p:grpSp>
-            <p:nvGrpSpPr>
-              <p:cNvPr id="61" name="群組 60">
-                <a:extLst>
-                  <a:ext uri="{FF2B5EF4-FFF2-40B4-BE49-F238E27FC236}">
-                    <a16:creationId xmlns:a16="http://schemas.microsoft.com/office/drawing/2014/main" id="{A24895AB-5CA6-4024-92DE-7F7B91B34670}"/>
-                  </a:ext>
-                </a:extLst>
-              </p:cNvPr>
-              <p:cNvGrpSpPr/>
-              <p:nvPr/>
-            </p:nvGrpSpPr>
-            <p:grpSpPr>
-              <a:xfrm>
-                <a:off x="5626548" y="5509912"/>
-                <a:ext cx="957235" cy="0"/>
-                <a:chOff x="6313712" y="3418114"/>
-                <a:chExt cx="1197431" cy="0"/>
-              </a:xfrm>
-            </p:grpSpPr>
-            <p:cxnSp>
-              <p:nvCxnSpPr>
-                <p:cNvPr id="62" name="直線接點 61">
-                  <a:extLst>
-                    <a:ext uri="{FF2B5EF4-FFF2-40B4-BE49-F238E27FC236}">
-                      <a16:creationId xmlns:a16="http://schemas.microsoft.com/office/drawing/2014/main" id="{F96D690E-0E61-4969-91F2-70165E5172D5}"/>
-                    </a:ext>
-                  </a:extLst>
-                </p:cNvPr>
-                <p:cNvCxnSpPr>
-                  <a:cxnSpLocks/>
-                </p:cNvCxnSpPr>
-                <p:nvPr/>
-              </p:nvCxnSpPr>
-              <p:spPr>
-                <a:xfrm>
-                  <a:off x="6313712" y="3418114"/>
-                  <a:ext cx="489858" cy="0"/>
-                </a:xfrm>
-                <a:prstGeom prst="line">
-                  <a:avLst/>
-                </a:prstGeom>
-                <a:ln w="63500"/>
-              </p:spPr>
-              <p:style>
-                <a:lnRef idx="1">
-                  <a:schemeClr val="accent1"/>
-                </a:lnRef>
-                <a:fillRef idx="0">
-                  <a:schemeClr val="accent1"/>
-                </a:fillRef>
-                <a:effectRef idx="0">
-                  <a:schemeClr val="accent1"/>
-                </a:effectRef>
-                <a:fontRef idx="minor">
-                  <a:schemeClr val="tx1"/>
-                </a:fontRef>
-              </p:style>
-            </p:cxnSp>
-            <p:cxnSp>
-              <p:nvCxnSpPr>
-                <p:cNvPr id="63" name="直線接點 62">
-                  <a:extLst>
-                    <a:ext uri="{FF2B5EF4-FFF2-40B4-BE49-F238E27FC236}">
-                      <a16:creationId xmlns:a16="http://schemas.microsoft.com/office/drawing/2014/main" id="{8E2DC4AC-3830-4E10-ABEC-302C8407B2AC}"/>
-                    </a:ext>
-                  </a:extLst>
-                </p:cNvPr>
-                <p:cNvCxnSpPr>
-                  <a:cxnSpLocks/>
-                </p:cNvCxnSpPr>
-                <p:nvPr/>
-              </p:nvCxnSpPr>
-              <p:spPr>
-                <a:xfrm>
-                  <a:off x="7021285" y="3418114"/>
-                  <a:ext cx="489858" cy="0"/>
-                </a:xfrm>
-                <a:prstGeom prst="line">
-                  <a:avLst/>
-                </a:prstGeom>
-                <a:ln w="63500"/>
-              </p:spPr>
-              <p:style>
-                <a:lnRef idx="1">
-                  <a:schemeClr val="accent1"/>
-                </a:lnRef>
-                <a:fillRef idx="0">
-                  <a:schemeClr val="accent1"/>
-                </a:fillRef>
-                <a:effectRef idx="0">
-                  <a:schemeClr val="accent1"/>
-                </a:effectRef>
-                <a:fontRef idx="minor">
-                  <a:schemeClr val="tx1"/>
-                </a:fontRef>
-              </p:style>
-            </p:cxnSp>
-          </p:grpSp>
         </p:grpSp>
-        <p:sp>
-          <p:nvSpPr>
-            <p:cNvPr id="71" name="文字方塊 70">
+        <p:cxnSp>
+          <p:nvCxnSpPr>
+            <p:cNvPr id="66" name="直線接點 65">
               <a:extLst>
                 <a:ext uri="{FF2B5EF4-FFF2-40B4-BE49-F238E27FC236}">
-                  <a16:creationId xmlns:a16="http://schemas.microsoft.com/office/drawing/2014/main" id="{BF448BC8-D7FC-4694-A20A-025753AF4830}"/>
+                  <a16:creationId xmlns:a16="http://schemas.microsoft.com/office/drawing/2014/main" id="{5428C353-664F-4DEC-AA4C-81C620EF237A}"/>
                 </a:ext>
               </a:extLst>
             </p:cNvPr>
-            <p:cNvSpPr txBox="1"/>
+            <p:cNvCxnSpPr>
+              <a:cxnSpLocks/>
+            </p:cNvCxnSpPr>
             <p:nvPr/>
-          </p:nvSpPr>
+          </p:nvCxnSpPr>
           <p:spPr>
             <a:xfrm>
-              <a:off x="5688691" y="186818"/>
-              <a:ext cx="814615" cy="369332"/>
+              <a:off x="5625148" y="6157852"/>
+              <a:ext cx="391596" cy="0"/>
             </a:xfrm>
-            <a:prstGeom prst="rect">
+            <a:prstGeom prst="line">
               <a:avLst/>
             </a:prstGeom>
-            <a:noFill/>
-          </p:spPr>
-          <p:txBody>
-            <a:bodyPr wrap="square" rtlCol="0">
-              <a:spAutoFit/>
-            </a:bodyPr>
-            <a:lstStyle/>
-            <a:p>
-              <a:pPr algn="ctr"/>
-              <a:r>
-                <a:rPr lang="zh-TW" altLang="en-US" dirty="0"/>
-                <a:t>乾</a:t>
-              </a:r>
-            </a:p>
-          </p:txBody>
-        </p:sp>
-        <p:sp>
-          <p:nvSpPr>
-            <p:cNvPr id="74" name="星形: 八角 73">
-              <a:extLst>
-                <a:ext uri="{FF2B5EF4-FFF2-40B4-BE49-F238E27FC236}">
-                  <a16:creationId xmlns:a16="http://schemas.microsoft.com/office/drawing/2014/main" id="{B1F19BFE-1178-4D22-8399-C6A842E3D801}"/>
-                </a:ext>
-              </a:extLst>
-            </p:cNvPr>
-            <p:cNvSpPr/>
-            <p:nvPr/>
-          </p:nvSpPr>
-          <p:spPr>
-            <a:xfrm>
-              <a:off x="4083050" y="1416050"/>
-              <a:ext cx="4025900" cy="4025900"/>
-            </a:xfrm>
-            <a:prstGeom prst="star8">
-              <a:avLst/>
-            </a:prstGeom>
-            <a:solidFill>
-              <a:schemeClr val="bg1"/>
-            </a:solidFill>
             <a:ln w="63500"/>
           </p:spPr>
           <p:style>
-            <a:lnRef idx="2">
-              <a:schemeClr val="accent1">
-                <a:shade val="50000"/>
-              </a:schemeClr>
+            <a:lnRef idx="1">
+              <a:schemeClr val="accent1"/>
             </a:lnRef>
-            <a:fillRef idx="1">
+            <a:fillRef idx="0">
               <a:schemeClr val="accent1"/>
             </a:fillRef>
             <a:effectRef idx="0">
               <a:schemeClr val="accent1"/>
             </a:effectRef>
             <a:fontRef idx="minor">
-              <a:schemeClr val="lt1"/>
+              <a:schemeClr val="tx1"/>
             </a:fontRef>
           </p:style>
-          <p:txBody>
-            <a:bodyPr rtlCol="0" anchor="ctr"/>
-            <a:lstStyle/>
-            <a:p>
-              <a:pPr algn="ctr"/>
-              <a:endParaRPr lang="zh-TW" altLang="en-US"/>
-            </a:p>
-          </p:txBody>
-        </p:sp>
-        <p:sp>
-          <p:nvSpPr>
-            <p:cNvPr id="72" name="文字方塊 71">
+        </p:cxnSp>
+        <p:cxnSp>
+          <p:nvCxnSpPr>
+            <p:cNvPr id="67" name="直線接點 66">
               <a:extLst>
                 <a:ext uri="{FF2B5EF4-FFF2-40B4-BE49-F238E27FC236}">
-                  <a16:creationId xmlns:a16="http://schemas.microsoft.com/office/drawing/2014/main" id="{D817F190-7BF2-4EE9-8466-28237217C04E}"/>
+                  <a16:creationId xmlns:a16="http://schemas.microsoft.com/office/drawing/2014/main" id="{FAE4EED3-6A58-47A3-A2D0-73D959507B12}"/>
                 </a:ext>
               </a:extLst>
             </p:cNvPr>
-            <p:cNvSpPr txBox="1"/>
+            <p:cNvCxnSpPr>
+              <a:cxnSpLocks/>
+            </p:cNvCxnSpPr>
             <p:nvPr/>
-          </p:nvSpPr>
+          </p:nvCxnSpPr>
           <p:spPr>
             <a:xfrm>
-              <a:off x="5688691" y="1918532"/>
-              <a:ext cx="814615" cy="461665"/>
+              <a:off x="6196382" y="6157852"/>
+              <a:ext cx="391596" cy="0"/>
             </a:xfrm>
-            <a:prstGeom prst="rect">
+            <a:prstGeom prst="line">
               <a:avLst/>
             </a:prstGeom>
-            <a:noFill/>
+            <a:ln w="63500"/>
           </p:spPr>
-          <p:txBody>
-            <a:bodyPr wrap="square" rtlCol="0">
-              <a:spAutoFit/>
-            </a:bodyPr>
-            <a:lstStyle/>
-            <a:p>
-              <a:pPr algn="ctr"/>
-              <a:r>
-                <a:rPr lang="zh-TW" altLang="en-US" sz="2400" dirty="0"/>
-                <a:t>南</a:t>
-              </a:r>
-            </a:p>
-          </p:txBody>
-        </p:sp>
-        <p:sp>
-          <p:nvSpPr>
-            <p:cNvPr id="75" name="文字方塊 74">
+          <p:style>
+            <a:lnRef idx="1">
+              <a:schemeClr val="accent1"/>
+            </a:lnRef>
+            <a:fillRef idx="0">
+              <a:schemeClr val="accent1"/>
+            </a:fillRef>
+            <a:effectRef idx="0">
+              <a:schemeClr val="accent1"/>
+            </a:effectRef>
+            <a:fontRef idx="minor">
+              <a:schemeClr val="tx1"/>
+            </a:fontRef>
+          </p:style>
+        </p:cxnSp>
+        <p:grpSp>
+          <p:nvGrpSpPr>
+            <p:cNvPr id="61" name="群組 60">
               <a:extLst>
                 <a:ext uri="{FF2B5EF4-FFF2-40B4-BE49-F238E27FC236}">
-                  <a16:creationId xmlns:a16="http://schemas.microsoft.com/office/drawing/2014/main" id="{A0EF2148-CB93-4E0D-8AA5-F6E84604D22A}"/>
+                  <a16:creationId xmlns:a16="http://schemas.microsoft.com/office/drawing/2014/main" id="{A24895AB-5CA6-4024-92DE-7F7B91B34670}"/>
                 </a:ext>
               </a:extLst>
             </p:cNvPr>
-            <p:cNvSpPr txBox="1"/>
+            <p:cNvGrpSpPr/>
             <p:nvPr/>
-          </p:nvSpPr>
-          <p:spPr>
-            <a:xfrm rot="18900000">
-              <a:off x="3565184" y="1024184"/>
-              <a:ext cx="814615" cy="369332"/>
+          </p:nvGrpSpPr>
+          <p:grpSpPr>
+            <a:xfrm>
+              <a:off x="5626548" y="5509912"/>
+              <a:ext cx="957235" cy="0"/>
+              <a:chOff x="6313712" y="3418114"/>
+              <a:chExt cx="1197431" cy="0"/>
             </a:xfrm>
-            <a:prstGeom prst="rect">
-              <a:avLst/>
-            </a:prstGeom>
-            <a:noFill/>
-          </p:spPr>
-          <p:txBody>
-            <a:bodyPr wrap="square" rtlCol="0">
-              <a:spAutoFit/>
-            </a:bodyPr>
-            <a:lstStyle/>
-            <a:p>
-              <a:pPr algn="ctr"/>
-              <a:r>
-                <a:rPr lang="zh-TW" altLang="en-US" dirty="0"/>
-                <a:t>兌</a:t>
-              </a:r>
-              <a:endParaRPr lang="en-US" altLang="zh-TW" dirty="0"/>
-            </a:p>
-          </p:txBody>
-        </p:sp>
-        <p:sp>
-          <p:nvSpPr>
-            <p:cNvPr id="76" name="文字方塊 75">
-              <a:extLst>
-                <a:ext uri="{FF2B5EF4-FFF2-40B4-BE49-F238E27FC236}">
-                  <a16:creationId xmlns:a16="http://schemas.microsoft.com/office/drawing/2014/main" id="{081CCE6B-8AD4-4C7A-8C18-546AF17DEF4C}"/>
-                </a:ext>
-              </a:extLst>
-            </p:cNvPr>
-            <p:cNvSpPr txBox="1"/>
-            <p:nvPr/>
-          </p:nvSpPr>
-          <p:spPr>
-            <a:xfrm rot="10800000">
-              <a:off x="5688691" y="6308714"/>
-              <a:ext cx="814615" cy="369332"/>
-            </a:xfrm>
-            <a:prstGeom prst="rect">
-              <a:avLst/>
-            </a:prstGeom>
-            <a:noFill/>
-          </p:spPr>
-          <p:txBody>
-            <a:bodyPr wrap="square" rtlCol="0">
-              <a:spAutoFit/>
-            </a:bodyPr>
-            <a:lstStyle/>
-            <a:p>
-              <a:pPr algn="ctr"/>
-              <a:r>
-                <a:rPr lang="zh-TW" altLang="en-US" dirty="0"/>
-                <a:t>坤</a:t>
-              </a:r>
-            </a:p>
-          </p:txBody>
-        </p:sp>
-        <p:sp>
-          <p:nvSpPr>
-            <p:cNvPr id="78" name="文字方塊 77">
-              <a:extLst>
-                <a:ext uri="{FF2B5EF4-FFF2-40B4-BE49-F238E27FC236}">
-                  <a16:creationId xmlns:a16="http://schemas.microsoft.com/office/drawing/2014/main" id="{72851AC8-B956-4465-8B41-71A4523CF832}"/>
-                </a:ext>
-              </a:extLst>
-            </p:cNvPr>
-            <p:cNvSpPr txBox="1"/>
-            <p:nvPr/>
-          </p:nvSpPr>
-          <p:spPr>
-            <a:xfrm rot="16200000">
-              <a:off x="2501236" y="3228877"/>
-              <a:ext cx="814615" cy="369332"/>
-            </a:xfrm>
-            <a:prstGeom prst="rect">
-              <a:avLst/>
-            </a:prstGeom>
-            <a:noFill/>
-          </p:spPr>
-          <p:txBody>
-            <a:bodyPr wrap="square" rtlCol="0">
-              <a:spAutoFit/>
-            </a:bodyPr>
-            <a:lstStyle/>
-            <a:p>
-              <a:pPr algn="ctr"/>
-              <a:r>
-                <a:rPr lang="zh-TW" altLang="en-US" dirty="0"/>
-                <a:t>離</a:t>
-              </a:r>
-              <a:endParaRPr lang="en-US" altLang="zh-TW" dirty="0"/>
-            </a:p>
-          </p:txBody>
-        </p:sp>
-        <p:sp>
-          <p:nvSpPr>
-            <p:cNvPr id="79" name="文字方塊 78">
-              <a:extLst>
-                <a:ext uri="{FF2B5EF4-FFF2-40B4-BE49-F238E27FC236}">
-                  <a16:creationId xmlns:a16="http://schemas.microsoft.com/office/drawing/2014/main" id="{3A74EDB1-D98F-48AC-908E-E83B97ED52B8}"/>
-                </a:ext>
-              </a:extLst>
-            </p:cNvPr>
-            <p:cNvSpPr txBox="1"/>
-            <p:nvPr/>
-          </p:nvSpPr>
-          <p:spPr>
-            <a:xfrm rot="13500000">
-              <a:off x="3565184" y="5455468"/>
-              <a:ext cx="814615" cy="369332"/>
-            </a:xfrm>
-            <a:prstGeom prst="rect">
-              <a:avLst/>
-            </a:prstGeom>
-            <a:noFill/>
-          </p:spPr>
-          <p:txBody>
-            <a:bodyPr wrap="square" rtlCol="0">
-              <a:spAutoFit/>
-            </a:bodyPr>
-            <a:lstStyle/>
-            <a:p>
-              <a:pPr algn="ctr"/>
-              <a:r>
-                <a:rPr lang="zh-TW" altLang="en-US" dirty="0"/>
-                <a:t>震</a:t>
-              </a:r>
-              <a:endParaRPr lang="en-US" altLang="zh-TW" dirty="0"/>
-            </a:p>
-          </p:txBody>
-        </p:sp>
-        <p:sp>
-          <p:nvSpPr>
-            <p:cNvPr id="80" name="文字方塊 79">
-              <a:extLst>
-                <a:ext uri="{FF2B5EF4-FFF2-40B4-BE49-F238E27FC236}">
-                  <a16:creationId xmlns:a16="http://schemas.microsoft.com/office/drawing/2014/main" id="{313DB0ED-D988-4392-9F22-04A8422AF0E9}"/>
-                </a:ext>
-              </a:extLst>
-            </p:cNvPr>
-            <p:cNvSpPr txBox="1"/>
-            <p:nvPr/>
-          </p:nvSpPr>
-          <p:spPr>
-            <a:xfrm rot="2700000">
-              <a:off x="7851715" y="1024184"/>
-              <a:ext cx="814615" cy="369332"/>
-            </a:xfrm>
-            <a:prstGeom prst="rect">
-              <a:avLst/>
-            </a:prstGeom>
-            <a:noFill/>
-          </p:spPr>
-          <p:txBody>
-            <a:bodyPr wrap="square" rtlCol="0">
-              <a:spAutoFit/>
-            </a:bodyPr>
-            <a:lstStyle/>
-            <a:p>
-              <a:pPr algn="ctr"/>
-              <a:r>
-                <a:rPr lang="zh-TW" altLang="en-US" dirty="0"/>
-                <a:t>巽</a:t>
-              </a:r>
-              <a:endParaRPr lang="en-US" altLang="zh-TW" dirty="0"/>
-            </a:p>
-          </p:txBody>
-        </p:sp>
-        <p:sp>
-          <p:nvSpPr>
-            <p:cNvPr id="81" name="文字方塊 80">
-              <a:extLst>
-                <a:ext uri="{FF2B5EF4-FFF2-40B4-BE49-F238E27FC236}">
-                  <a16:creationId xmlns:a16="http://schemas.microsoft.com/office/drawing/2014/main" id="{745CF5B8-95ED-44BD-A388-DD402D5A8849}"/>
-                </a:ext>
-              </a:extLst>
-            </p:cNvPr>
-            <p:cNvSpPr txBox="1"/>
-            <p:nvPr/>
-          </p:nvSpPr>
-          <p:spPr>
-            <a:xfrm rot="5400000">
-              <a:off x="9015821" y="3228878"/>
-              <a:ext cx="814615" cy="369332"/>
-            </a:xfrm>
-            <a:prstGeom prst="rect">
-              <a:avLst/>
-            </a:prstGeom>
-            <a:noFill/>
-          </p:spPr>
-          <p:txBody>
-            <a:bodyPr wrap="square" rtlCol="0">
-              <a:spAutoFit/>
-            </a:bodyPr>
-            <a:lstStyle/>
-            <a:p>
-              <a:pPr algn="ctr"/>
-              <a:r>
-                <a:rPr lang="zh-TW" altLang="en-US" dirty="0"/>
-                <a:t>坎</a:t>
-              </a:r>
-              <a:endParaRPr lang="en-US" altLang="zh-TW" dirty="0"/>
-            </a:p>
-          </p:txBody>
-        </p:sp>
-        <p:sp>
-          <p:nvSpPr>
-            <p:cNvPr id="82" name="文字方塊 81">
-              <a:extLst>
-                <a:ext uri="{FF2B5EF4-FFF2-40B4-BE49-F238E27FC236}">
-                  <a16:creationId xmlns:a16="http://schemas.microsoft.com/office/drawing/2014/main" id="{A7BB787B-5F4D-4E21-A58B-B51729A370BF}"/>
-                </a:ext>
-              </a:extLst>
-            </p:cNvPr>
-            <p:cNvSpPr txBox="1"/>
-            <p:nvPr/>
-          </p:nvSpPr>
-          <p:spPr>
-            <a:xfrm rot="8100000">
-              <a:off x="7864415" y="5495334"/>
-              <a:ext cx="814615" cy="369332"/>
-            </a:xfrm>
-            <a:prstGeom prst="rect">
-              <a:avLst/>
-            </a:prstGeom>
-            <a:noFill/>
-          </p:spPr>
-          <p:txBody>
-            <a:bodyPr wrap="square" rtlCol="0">
-              <a:spAutoFit/>
-            </a:bodyPr>
-            <a:lstStyle/>
-            <a:p>
-              <a:pPr algn="ctr"/>
-              <a:r>
-                <a:rPr lang="zh-TW" altLang="en-US" dirty="0"/>
-                <a:t>巽</a:t>
-              </a:r>
-              <a:endParaRPr lang="en-US" altLang="zh-TW" dirty="0"/>
-            </a:p>
-          </p:txBody>
-        </p:sp>
+          </p:grpSpPr>
+          <p:cxnSp>
+            <p:nvCxnSpPr>
+              <p:cNvPr id="62" name="直線接點 61">
+                <a:extLst>
+                  <a:ext uri="{FF2B5EF4-FFF2-40B4-BE49-F238E27FC236}">
+                    <a16:creationId xmlns:a16="http://schemas.microsoft.com/office/drawing/2014/main" id="{F96D690E-0E61-4969-91F2-70165E5172D5}"/>
+                  </a:ext>
+                </a:extLst>
+              </p:cNvPr>
+              <p:cNvCxnSpPr>
+                <a:cxnSpLocks/>
+              </p:cNvCxnSpPr>
+              <p:nvPr/>
+            </p:nvCxnSpPr>
+            <p:spPr>
+              <a:xfrm>
+                <a:off x="6313712" y="3418114"/>
+                <a:ext cx="489858" cy="0"/>
+              </a:xfrm>
+              <a:prstGeom prst="line">
+                <a:avLst/>
+              </a:prstGeom>
+              <a:ln w="63500"/>
+            </p:spPr>
+            <p:style>
+              <a:lnRef idx="1">
+                <a:schemeClr val="accent1"/>
+              </a:lnRef>
+              <a:fillRef idx="0">
+                <a:schemeClr val="accent1"/>
+              </a:fillRef>
+              <a:effectRef idx="0">
+                <a:schemeClr val="accent1"/>
+              </a:effectRef>
+              <a:fontRef idx="minor">
+                <a:schemeClr val="tx1"/>
+              </a:fontRef>
+            </p:style>
+          </p:cxnSp>
+          <p:cxnSp>
+            <p:nvCxnSpPr>
+              <p:cNvPr id="63" name="直線接點 62">
+                <a:extLst>
+                  <a:ext uri="{FF2B5EF4-FFF2-40B4-BE49-F238E27FC236}">
+                    <a16:creationId xmlns:a16="http://schemas.microsoft.com/office/drawing/2014/main" id="{8E2DC4AC-3830-4E10-ABEC-302C8407B2AC}"/>
+                  </a:ext>
+                </a:extLst>
+              </p:cNvPr>
+              <p:cNvCxnSpPr>
+                <a:cxnSpLocks/>
+              </p:cNvCxnSpPr>
+              <p:nvPr/>
+            </p:nvCxnSpPr>
+            <p:spPr>
+              <a:xfrm>
+                <a:off x="7021285" y="3418114"/>
+                <a:ext cx="489858" cy="0"/>
+              </a:xfrm>
+              <a:prstGeom prst="line">
+                <a:avLst/>
+              </a:prstGeom>
+              <a:ln w="63500"/>
+            </p:spPr>
+            <p:style>
+              <a:lnRef idx="1">
+                <a:schemeClr val="accent1"/>
+              </a:lnRef>
+              <a:fillRef idx="0">
+                <a:schemeClr val="accent1"/>
+              </a:fillRef>
+              <a:effectRef idx="0">
+                <a:schemeClr val="accent1"/>
+              </a:effectRef>
+              <a:fontRef idx="minor">
+                <a:schemeClr val="tx1"/>
+              </a:fontRef>
+            </p:style>
+          </p:cxnSp>
+        </p:grpSp>
       </p:grpSp>
+      <p:sp>
+        <p:nvSpPr>
+          <p:cNvPr id="71" name="文字方塊 70">
+            <a:extLst>
+              <a:ext uri="{FF2B5EF4-FFF2-40B4-BE49-F238E27FC236}">
+                <a16:creationId xmlns:a16="http://schemas.microsoft.com/office/drawing/2014/main" id="{BF448BC8-D7FC-4694-A20A-025753AF4830}"/>
+              </a:ext>
+            </a:extLst>
+          </p:cNvPr>
+          <p:cNvSpPr txBox="1"/>
+          <p:nvPr/>
+        </p:nvSpPr>
+        <p:spPr>
+          <a:xfrm>
+            <a:off x="5688691" y="186818"/>
+            <a:ext cx="814615" cy="369332"/>
+          </a:xfrm>
+          <a:prstGeom prst="rect">
+            <a:avLst/>
+          </a:prstGeom>
+          <a:noFill/>
+        </p:spPr>
+        <p:txBody>
+          <a:bodyPr wrap="square" rtlCol="0">
+            <a:spAutoFit/>
+          </a:bodyPr>
+          <a:lstStyle/>
+          <a:p>
+            <a:pPr algn="ctr"/>
+            <a:r>
+              <a:rPr lang="zh-TW" altLang="en-US" dirty="0"/>
+              <a:t>乾</a:t>
+            </a:r>
+          </a:p>
+        </p:txBody>
+      </p:sp>
+      <p:sp>
+        <p:nvSpPr>
+          <p:cNvPr id="74" name="星形: 八角 73">
+            <a:extLst>
+              <a:ext uri="{FF2B5EF4-FFF2-40B4-BE49-F238E27FC236}">
+                <a16:creationId xmlns:a16="http://schemas.microsoft.com/office/drawing/2014/main" id="{B1F19BFE-1178-4D22-8399-C6A842E3D801}"/>
+              </a:ext>
+            </a:extLst>
+          </p:cNvPr>
+          <p:cNvSpPr/>
+          <p:nvPr/>
+        </p:nvSpPr>
+        <p:spPr>
+          <a:xfrm>
+            <a:off x="4083050" y="1416050"/>
+            <a:ext cx="4025900" cy="4025900"/>
+          </a:xfrm>
+          <a:prstGeom prst="star8">
+            <a:avLst/>
+          </a:prstGeom>
+          <a:solidFill>
+            <a:schemeClr val="bg1"/>
+          </a:solidFill>
+          <a:ln w="63500"/>
+        </p:spPr>
+        <p:style>
+          <a:lnRef idx="2">
+            <a:schemeClr val="accent1">
+              <a:shade val="50000"/>
+            </a:schemeClr>
+          </a:lnRef>
+          <a:fillRef idx="1">
+            <a:schemeClr val="accent1"/>
+          </a:fillRef>
+          <a:effectRef idx="0">
+            <a:schemeClr val="accent1"/>
+          </a:effectRef>
+          <a:fontRef idx="minor">
+            <a:schemeClr val="lt1"/>
+          </a:fontRef>
+        </p:style>
+        <p:txBody>
+          <a:bodyPr rtlCol="0" anchor="ctr"/>
+          <a:lstStyle/>
+          <a:p>
+            <a:pPr algn="ctr"/>
+            <a:endParaRPr lang="zh-TW" altLang="en-US"/>
+          </a:p>
+        </p:txBody>
+      </p:sp>
+      <p:sp>
+        <p:nvSpPr>
+          <p:cNvPr id="72" name="文字方塊 71">
+            <a:extLst>
+              <a:ext uri="{FF2B5EF4-FFF2-40B4-BE49-F238E27FC236}">
+                <a16:creationId xmlns:a16="http://schemas.microsoft.com/office/drawing/2014/main" id="{D817F190-7BF2-4EE9-8466-28237217C04E}"/>
+              </a:ext>
+            </a:extLst>
+          </p:cNvPr>
+          <p:cNvSpPr txBox="1"/>
+          <p:nvPr/>
+        </p:nvSpPr>
+        <p:spPr>
+          <a:xfrm>
+            <a:off x="5688691" y="1918532"/>
+            <a:ext cx="814615" cy="461665"/>
+          </a:xfrm>
+          <a:prstGeom prst="rect">
+            <a:avLst/>
+          </a:prstGeom>
+          <a:noFill/>
+        </p:spPr>
+        <p:txBody>
+          <a:bodyPr wrap="square" rtlCol="0">
+            <a:spAutoFit/>
+          </a:bodyPr>
+          <a:lstStyle/>
+          <a:p>
+            <a:pPr algn="ctr"/>
+            <a:r>
+              <a:rPr lang="zh-TW" altLang="en-US" sz="2400" dirty="0"/>
+              <a:t>南</a:t>
+            </a:r>
+          </a:p>
+        </p:txBody>
+      </p:sp>
+      <p:sp>
+        <p:nvSpPr>
+          <p:cNvPr id="75" name="文字方塊 74">
+            <a:extLst>
+              <a:ext uri="{FF2B5EF4-FFF2-40B4-BE49-F238E27FC236}">
+                <a16:creationId xmlns:a16="http://schemas.microsoft.com/office/drawing/2014/main" id="{A0EF2148-CB93-4E0D-8AA5-F6E84604D22A}"/>
+              </a:ext>
+            </a:extLst>
+          </p:cNvPr>
+          <p:cNvSpPr txBox="1"/>
+          <p:nvPr/>
+        </p:nvSpPr>
+        <p:spPr>
+          <a:xfrm rot="18900000">
+            <a:off x="3565184" y="1024184"/>
+            <a:ext cx="814615" cy="369332"/>
+          </a:xfrm>
+          <a:prstGeom prst="rect">
+            <a:avLst/>
+          </a:prstGeom>
+          <a:noFill/>
+        </p:spPr>
+        <p:txBody>
+          <a:bodyPr wrap="square" rtlCol="0">
+            <a:spAutoFit/>
+          </a:bodyPr>
+          <a:lstStyle/>
+          <a:p>
+            <a:pPr algn="ctr"/>
+            <a:r>
+              <a:rPr lang="zh-TW" altLang="en-US" dirty="0"/>
+              <a:t>兌</a:t>
+            </a:r>
+            <a:endParaRPr lang="en-US" altLang="zh-TW" dirty="0"/>
+          </a:p>
+        </p:txBody>
+      </p:sp>
+      <p:sp>
+        <p:nvSpPr>
+          <p:cNvPr id="76" name="文字方塊 75">
+            <a:extLst>
+              <a:ext uri="{FF2B5EF4-FFF2-40B4-BE49-F238E27FC236}">
+                <a16:creationId xmlns:a16="http://schemas.microsoft.com/office/drawing/2014/main" id="{081CCE6B-8AD4-4C7A-8C18-546AF17DEF4C}"/>
+              </a:ext>
+            </a:extLst>
+          </p:cNvPr>
+          <p:cNvSpPr txBox="1"/>
+          <p:nvPr/>
+        </p:nvSpPr>
+        <p:spPr>
+          <a:xfrm rot="10800000">
+            <a:off x="5688691" y="6308714"/>
+            <a:ext cx="814615" cy="369332"/>
+          </a:xfrm>
+          <a:prstGeom prst="rect">
+            <a:avLst/>
+          </a:prstGeom>
+          <a:noFill/>
+        </p:spPr>
+        <p:txBody>
+          <a:bodyPr wrap="square" rtlCol="0">
+            <a:spAutoFit/>
+          </a:bodyPr>
+          <a:lstStyle/>
+          <a:p>
+            <a:pPr algn="ctr"/>
+            <a:r>
+              <a:rPr lang="zh-TW" altLang="en-US" dirty="0"/>
+              <a:t>坤</a:t>
+            </a:r>
+          </a:p>
+        </p:txBody>
+      </p:sp>
+      <p:sp>
+        <p:nvSpPr>
+          <p:cNvPr id="78" name="文字方塊 77">
+            <a:extLst>
+              <a:ext uri="{FF2B5EF4-FFF2-40B4-BE49-F238E27FC236}">
+                <a16:creationId xmlns:a16="http://schemas.microsoft.com/office/drawing/2014/main" id="{72851AC8-B956-4465-8B41-71A4523CF832}"/>
+              </a:ext>
+            </a:extLst>
+          </p:cNvPr>
+          <p:cNvSpPr txBox="1"/>
+          <p:nvPr/>
+        </p:nvSpPr>
+        <p:spPr>
+          <a:xfrm rot="16200000">
+            <a:off x="2501236" y="3228877"/>
+            <a:ext cx="814615" cy="369332"/>
+          </a:xfrm>
+          <a:prstGeom prst="rect">
+            <a:avLst/>
+          </a:prstGeom>
+          <a:noFill/>
+        </p:spPr>
+        <p:txBody>
+          <a:bodyPr wrap="square" rtlCol="0">
+            <a:spAutoFit/>
+          </a:bodyPr>
+          <a:lstStyle/>
+          <a:p>
+            <a:pPr algn="ctr"/>
+            <a:r>
+              <a:rPr lang="zh-TW" altLang="en-US" dirty="0"/>
+              <a:t>離</a:t>
+            </a:r>
+            <a:endParaRPr lang="en-US" altLang="zh-TW" dirty="0"/>
+          </a:p>
+        </p:txBody>
+      </p:sp>
+      <p:sp>
+        <p:nvSpPr>
+          <p:cNvPr id="79" name="文字方塊 78">
+            <a:extLst>
+              <a:ext uri="{FF2B5EF4-FFF2-40B4-BE49-F238E27FC236}">
+                <a16:creationId xmlns:a16="http://schemas.microsoft.com/office/drawing/2014/main" id="{3A74EDB1-D98F-48AC-908E-E83B97ED52B8}"/>
+              </a:ext>
+            </a:extLst>
+          </p:cNvPr>
+          <p:cNvSpPr txBox="1"/>
+          <p:nvPr/>
+        </p:nvSpPr>
+        <p:spPr>
+          <a:xfrm rot="13500000">
+            <a:off x="3565184" y="5455468"/>
+            <a:ext cx="814615" cy="369332"/>
+          </a:xfrm>
+          <a:prstGeom prst="rect">
+            <a:avLst/>
+          </a:prstGeom>
+          <a:noFill/>
+        </p:spPr>
+        <p:txBody>
+          <a:bodyPr wrap="square" rtlCol="0">
+            <a:spAutoFit/>
+          </a:bodyPr>
+          <a:lstStyle/>
+          <a:p>
+            <a:pPr algn="ctr"/>
+            <a:r>
+              <a:rPr lang="zh-TW" altLang="en-US" dirty="0"/>
+              <a:t>震</a:t>
+            </a:r>
+            <a:endParaRPr lang="en-US" altLang="zh-TW" dirty="0"/>
+          </a:p>
+        </p:txBody>
+      </p:sp>
+      <p:sp>
+        <p:nvSpPr>
+          <p:cNvPr id="80" name="文字方塊 79">
+            <a:extLst>
+              <a:ext uri="{FF2B5EF4-FFF2-40B4-BE49-F238E27FC236}">
+                <a16:creationId xmlns:a16="http://schemas.microsoft.com/office/drawing/2014/main" id="{313DB0ED-D988-4392-9F22-04A8422AF0E9}"/>
+              </a:ext>
+            </a:extLst>
+          </p:cNvPr>
+          <p:cNvSpPr txBox="1"/>
+          <p:nvPr/>
+        </p:nvSpPr>
+        <p:spPr>
+          <a:xfrm rot="2700000">
+            <a:off x="7851715" y="1024184"/>
+            <a:ext cx="814615" cy="369332"/>
+          </a:xfrm>
+          <a:prstGeom prst="rect">
+            <a:avLst/>
+          </a:prstGeom>
+          <a:noFill/>
+        </p:spPr>
+        <p:txBody>
+          <a:bodyPr wrap="square" rtlCol="0">
+            <a:spAutoFit/>
+          </a:bodyPr>
+          <a:lstStyle/>
+          <a:p>
+            <a:pPr algn="ctr"/>
+            <a:r>
+              <a:rPr lang="zh-TW" altLang="en-US" dirty="0"/>
+              <a:t>巽</a:t>
+            </a:r>
+            <a:endParaRPr lang="en-US" altLang="zh-TW" dirty="0"/>
+          </a:p>
+        </p:txBody>
+      </p:sp>
+      <p:sp>
+        <p:nvSpPr>
+          <p:cNvPr id="81" name="文字方塊 80">
+            <a:extLst>
+              <a:ext uri="{FF2B5EF4-FFF2-40B4-BE49-F238E27FC236}">
+                <a16:creationId xmlns:a16="http://schemas.microsoft.com/office/drawing/2014/main" id="{745CF5B8-95ED-44BD-A388-DD402D5A8849}"/>
+              </a:ext>
+            </a:extLst>
+          </p:cNvPr>
+          <p:cNvSpPr txBox="1"/>
+          <p:nvPr/>
+        </p:nvSpPr>
+        <p:spPr>
+          <a:xfrm rot="5400000">
+            <a:off x="9015821" y="3228878"/>
+            <a:ext cx="814615" cy="369332"/>
+          </a:xfrm>
+          <a:prstGeom prst="rect">
+            <a:avLst/>
+          </a:prstGeom>
+          <a:noFill/>
+        </p:spPr>
+        <p:txBody>
+          <a:bodyPr wrap="square" rtlCol="0">
+            <a:spAutoFit/>
+          </a:bodyPr>
+          <a:lstStyle/>
+          <a:p>
+            <a:pPr algn="ctr"/>
+            <a:r>
+              <a:rPr lang="zh-TW" altLang="en-US" dirty="0"/>
+              <a:t>坎</a:t>
+            </a:r>
+            <a:endParaRPr lang="en-US" altLang="zh-TW" dirty="0"/>
+          </a:p>
+        </p:txBody>
+      </p:sp>
+      <p:sp>
+        <p:nvSpPr>
+          <p:cNvPr id="82" name="文字方塊 81">
+            <a:extLst>
+              <a:ext uri="{FF2B5EF4-FFF2-40B4-BE49-F238E27FC236}">
+                <a16:creationId xmlns:a16="http://schemas.microsoft.com/office/drawing/2014/main" id="{A7BB787B-5F4D-4E21-A58B-B51729A370BF}"/>
+              </a:ext>
+            </a:extLst>
+          </p:cNvPr>
+          <p:cNvSpPr txBox="1"/>
+          <p:nvPr/>
+        </p:nvSpPr>
+        <p:spPr>
+          <a:xfrm rot="8100000">
+            <a:off x="7864415" y="5495334"/>
+            <a:ext cx="814615" cy="369332"/>
+          </a:xfrm>
+          <a:prstGeom prst="rect">
+            <a:avLst/>
+          </a:prstGeom>
+          <a:noFill/>
+        </p:spPr>
+        <p:txBody>
+          <a:bodyPr wrap="square" rtlCol="0">
+            <a:spAutoFit/>
+          </a:bodyPr>
+          <a:lstStyle/>
+          <a:p>
+            <a:pPr algn="ctr"/>
+            <a:r>
+              <a:rPr lang="zh-TW" altLang="en-US" dirty="0"/>
+              <a:t>巽</a:t>
+            </a:r>
+            <a:endParaRPr lang="en-US" altLang="zh-TW" dirty="0"/>
+          </a:p>
+        </p:txBody>
+      </p:sp>
     </p:spTree>
     <p:extLst>
       <p:ext uri="{BB962C8B-B14F-4D97-AF65-F5344CB8AC3E}">
